--- a/WAD/lectures/100--Javascript.Syntax.pptx
+++ b/WAD/lectures/100--Javascript.Syntax.pptx
@@ -5,7 +5,7 @@
     <p:sldMasterId id="2147483648" r:id="rId1"/>
   </p:sldMasterIdLst>
   <p:notesMasterIdLst>
-    <p:notesMasterId r:id="rId50"/>
+    <p:notesMasterId r:id="rId51"/>
   </p:notesMasterIdLst>
   <p:sldIdLst>
     <p:sldId id="256" r:id="rId2"/>
@@ -53,9 +53,10 @@
     <p:sldId id="295" r:id="rId44"/>
     <p:sldId id="296" r:id="rId45"/>
     <p:sldId id="297" r:id="rId46"/>
-    <p:sldId id="300" r:id="rId47"/>
-    <p:sldId id="301" r:id="rId48"/>
-    <p:sldId id="302" r:id="rId49"/>
+    <p:sldId id="304" r:id="rId47"/>
+    <p:sldId id="300" r:id="rId48"/>
+    <p:sldId id="301" r:id="rId49"/>
+    <p:sldId id="302" r:id="rId50"/>
   </p:sldIdLst>
   <p:sldSz cx="9144000" cy="6858000" type="screen4x3"/>
   <p:notesSz cx="6858000" cy="9144000"/>
@@ -186,7 +187,7 @@
   </p:defaultTextStyle>
   <p:extLst>
     <p:ext uri="{EFAFB233-063F-42B5-8137-9DF3F51BA10A}">
-      <p15:sldGuideLst xmlns="" xmlns:p15="http://schemas.microsoft.com/office/powerpoint/2012/main">
+      <p15:sldGuideLst xmlns:p15="http://schemas.microsoft.com/office/powerpoint/2012/main">
         <p15:guide id="1" orient="horz" pos="2160">
           <p15:clr>
             <a:srgbClr val="A4A3A4"/>
@@ -345,7 +346,7 @@
           </a:ln>
           <a:extLst>
             <a:ext uri="{909E8E84-426E-40DD-AFC4-6F175D3DCCD1}">
-              <a14:hiddenFill xmlns="" xmlns:a14="http://schemas.microsoft.com/office/drawing/2010/main">
+              <a14:hiddenFill xmlns:a14="http://schemas.microsoft.com/office/drawing/2010/main">
                 <a:solidFill>
                   <a:srgbClr val="FFFFFF"/>
                 </a:solidFill>
@@ -516,7 +517,7 @@
     </p:spTree>
     <p:extLst>
       <p:ext uri="{BB962C8B-B14F-4D97-AF65-F5344CB8AC3E}">
-        <p14:creationId xmlns="" xmlns:p14="http://schemas.microsoft.com/office/powerpoint/2010/main" val="2036195785"/>
+        <p14:creationId xmlns:p14="http://schemas.microsoft.com/office/powerpoint/2010/main" val="2036195785"/>
       </p:ext>
     </p:extLst>
   </p:cSld>
@@ -685,14 +686,14 @@
           <a:noFill/>
           <a:extLst>
             <a:ext uri="{909E8E84-426E-40DD-AFC4-6F175D3DCCD1}">
-              <a14:hiddenFill xmlns="" xmlns:a14="http://schemas.microsoft.com/office/drawing/2010/main">
+              <a14:hiddenFill xmlns:a14="http://schemas.microsoft.com/office/drawing/2010/main">
                 <a:solidFill>
                   <a:srgbClr val="FFFFFF"/>
                 </a:solidFill>
               </a14:hiddenFill>
             </a:ext>
             <a:ext uri="{91240B29-F687-4F45-9708-019B960494DF}">
-              <a14:hiddenLine xmlns="" xmlns:a14="http://schemas.microsoft.com/office/drawing/2010/main" w="9525">
+              <a14:hiddenLine xmlns:a14="http://schemas.microsoft.com/office/drawing/2010/main" w="9525">
                 <a:solidFill>
                   <a:srgbClr val="000000"/>
                 </a:solidFill>
@@ -844,14 +845,14 @@
           <a:noFill/>
           <a:extLst>
             <a:ext uri="{909E8E84-426E-40DD-AFC4-6F175D3DCCD1}">
-              <a14:hiddenFill xmlns="" xmlns:a14="http://schemas.microsoft.com/office/drawing/2010/main">
+              <a14:hiddenFill xmlns:a14="http://schemas.microsoft.com/office/drawing/2010/main">
                 <a:solidFill>
                   <a:srgbClr val="FFFFFF"/>
                 </a:solidFill>
               </a14:hiddenFill>
             </a:ext>
             <a:ext uri="{91240B29-F687-4F45-9708-019B960494DF}">
-              <a14:hiddenLine xmlns="" xmlns:a14="http://schemas.microsoft.com/office/drawing/2010/main" w="9525" cap="flat">
+              <a14:hiddenLine xmlns:a14="http://schemas.microsoft.com/office/drawing/2010/main" w="9525" cap="flat">
                 <a:solidFill>
                   <a:srgbClr val="000000"/>
                 </a:solidFill>
@@ -873,7 +874,7 @@
     </p:spTree>
     <p:extLst>
       <p:ext uri="{BB962C8B-B14F-4D97-AF65-F5344CB8AC3E}">
-        <p14:creationId xmlns="" xmlns:p14="http://schemas.microsoft.com/office/powerpoint/2010/main" val="767122679"/>
+        <p14:creationId xmlns:p14="http://schemas.microsoft.com/office/powerpoint/2010/main" val="767122679"/>
       </p:ext>
     </p:extLst>
   </p:cSld>
@@ -922,14 +923,14 @@
           <a:noFill/>
           <a:extLst>
             <a:ext uri="{909E8E84-426E-40DD-AFC4-6F175D3DCCD1}">
-              <a14:hiddenFill xmlns="" xmlns:a14="http://schemas.microsoft.com/office/drawing/2010/main">
+              <a14:hiddenFill xmlns:a14="http://schemas.microsoft.com/office/drawing/2010/main">
                 <a:solidFill>
                   <a:srgbClr val="FFFFFF"/>
                 </a:solidFill>
               </a14:hiddenFill>
             </a:ext>
             <a:ext uri="{91240B29-F687-4F45-9708-019B960494DF}">
-              <a14:hiddenLine xmlns="" xmlns:a14="http://schemas.microsoft.com/office/drawing/2010/main" w="9525">
+              <a14:hiddenLine xmlns:a14="http://schemas.microsoft.com/office/drawing/2010/main" w="9525">
                 <a:solidFill>
                   <a:srgbClr val="000000"/>
                 </a:solidFill>
@@ -1089,14 +1090,14 @@
           <a:noFill/>
           <a:extLst>
             <a:ext uri="{909E8E84-426E-40DD-AFC4-6F175D3DCCD1}">
-              <a14:hiddenFill xmlns="" xmlns:a14="http://schemas.microsoft.com/office/drawing/2010/main">
+              <a14:hiddenFill xmlns:a14="http://schemas.microsoft.com/office/drawing/2010/main">
                 <a:solidFill>
                   <a:srgbClr val="FFFFFF"/>
                 </a:solidFill>
               </a14:hiddenFill>
             </a:ext>
             <a:ext uri="{91240B29-F687-4F45-9708-019B960494DF}">
-              <a14:hiddenLine xmlns="" xmlns:a14="http://schemas.microsoft.com/office/drawing/2010/main" w="9525" cap="flat">
+              <a14:hiddenLine xmlns:a14="http://schemas.microsoft.com/office/drawing/2010/main" w="9525" cap="flat">
                 <a:solidFill>
                   <a:srgbClr val="000000"/>
                 </a:solidFill>
@@ -1118,7 +1119,7 @@
     </p:spTree>
     <p:extLst>
       <p:ext uri="{BB962C8B-B14F-4D97-AF65-F5344CB8AC3E}">
-        <p14:creationId xmlns="" xmlns:p14="http://schemas.microsoft.com/office/powerpoint/2010/main" val="3010920487"/>
+        <p14:creationId xmlns:p14="http://schemas.microsoft.com/office/powerpoint/2010/main" val="3010920487"/>
       </p:ext>
     </p:extLst>
   </p:cSld>
@@ -1167,14 +1168,14 @@
           <a:noFill/>
           <a:extLst>
             <a:ext uri="{909E8E84-426E-40DD-AFC4-6F175D3DCCD1}">
-              <a14:hiddenFill xmlns="" xmlns:a14="http://schemas.microsoft.com/office/drawing/2010/main">
+              <a14:hiddenFill xmlns:a14="http://schemas.microsoft.com/office/drawing/2010/main">
                 <a:solidFill>
                   <a:srgbClr val="FFFFFF"/>
                 </a:solidFill>
               </a14:hiddenFill>
             </a:ext>
             <a:ext uri="{91240B29-F687-4F45-9708-019B960494DF}">
-              <a14:hiddenLine xmlns="" xmlns:a14="http://schemas.microsoft.com/office/drawing/2010/main" w="9525">
+              <a14:hiddenLine xmlns:a14="http://schemas.microsoft.com/office/drawing/2010/main" w="9525">
                 <a:solidFill>
                   <a:srgbClr val="000000"/>
                 </a:solidFill>
@@ -1334,14 +1335,14 @@
           <a:noFill/>
           <a:extLst>
             <a:ext uri="{909E8E84-426E-40DD-AFC4-6F175D3DCCD1}">
-              <a14:hiddenFill xmlns="" xmlns:a14="http://schemas.microsoft.com/office/drawing/2010/main">
+              <a14:hiddenFill xmlns:a14="http://schemas.microsoft.com/office/drawing/2010/main">
                 <a:solidFill>
                   <a:srgbClr val="FFFFFF"/>
                 </a:solidFill>
               </a14:hiddenFill>
             </a:ext>
             <a:ext uri="{91240B29-F687-4F45-9708-019B960494DF}">
-              <a14:hiddenLine xmlns="" xmlns:a14="http://schemas.microsoft.com/office/drawing/2010/main" w="9525" cap="flat">
+              <a14:hiddenLine xmlns:a14="http://schemas.microsoft.com/office/drawing/2010/main" w="9525" cap="flat">
                 <a:solidFill>
                   <a:srgbClr val="000000"/>
                 </a:solidFill>
@@ -1363,7 +1364,7 @@
     </p:spTree>
     <p:extLst>
       <p:ext uri="{BB962C8B-B14F-4D97-AF65-F5344CB8AC3E}">
-        <p14:creationId xmlns="" xmlns:p14="http://schemas.microsoft.com/office/powerpoint/2010/main" val="3240200520"/>
+        <p14:creationId xmlns:p14="http://schemas.microsoft.com/office/powerpoint/2010/main" val="3240200520"/>
       </p:ext>
     </p:extLst>
   </p:cSld>
@@ -1412,14 +1413,14 @@
           <a:noFill/>
           <a:extLst>
             <a:ext uri="{909E8E84-426E-40DD-AFC4-6F175D3DCCD1}">
-              <a14:hiddenFill xmlns="" xmlns:a14="http://schemas.microsoft.com/office/drawing/2010/main">
+              <a14:hiddenFill xmlns:a14="http://schemas.microsoft.com/office/drawing/2010/main">
                 <a:solidFill>
                   <a:srgbClr val="FFFFFF"/>
                 </a:solidFill>
               </a14:hiddenFill>
             </a:ext>
             <a:ext uri="{91240B29-F687-4F45-9708-019B960494DF}">
-              <a14:hiddenLine xmlns="" xmlns:a14="http://schemas.microsoft.com/office/drawing/2010/main" w="9525">
+              <a14:hiddenLine xmlns:a14="http://schemas.microsoft.com/office/drawing/2010/main" w="9525">
                 <a:solidFill>
                   <a:srgbClr val="000000"/>
                 </a:solidFill>
@@ -1579,14 +1580,14 @@
           <a:noFill/>
           <a:extLst>
             <a:ext uri="{909E8E84-426E-40DD-AFC4-6F175D3DCCD1}">
-              <a14:hiddenFill xmlns="" xmlns:a14="http://schemas.microsoft.com/office/drawing/2010/main">
+              <a14:hiddenFill xmlns:a14="http://schemas.microsoft.com/office/drawing/2010/main">
                 <a:solidFill>
                   <a:srgbClr val="FFFFFF"/>
                 </a:solidFill>
               </a14:hiddenFill>
             </a:ext>
             <a:ext uri="{91240B29-F687-4F45-9708-019B960494DF}">
-              <a14:hiddenLine xmlns="" xmlns:a14="http://schemas.microsoft.com/office/drawing/2010/main" w="9525" cap="flat">
+              <a14:hiddenLine xmlns:a14="http://schemas.microsoft.com/office/drawing/2010/main" w="9525" cap="flat">
                 <a:solidFill>
                   <a:srgbClr val="000000"/>
                 </a:solidFill>
@@ -1608,7 +1609,7 @@
     </p:spTree>
     <p:extLst>
       <p:ext uri="{BB962C8B-B14F-4D97-AF65-F5344CB8AC3E}">
-        <p14:creationId xmlns="" xmlns:p14="http://schemas.microsoft.com/office/powerpoint/2010/main" val="2322282947"/>
+        <p14:creationId xmlns:p14="http://schemas.microsoft.com/office/powerpoint/2010/main" val="2322282947"/>
       </p:ext>
     </p:extLst>
   </p:cSld>
@@ -1657,14 +1658,14 @@
           <a:noFill/>
           <a:extLst>
             <a:ext uri="{909E8E84-426E-40DD-AFC4-6F175D3DCCD1}">
-              <a14:hiddenFill xmlns="" xmlns:a14="http://schemas.microsoft.com/office/drawing/2010/main">
+              <a14:hiddenFill xmlns:a14="http://schemas.microsoft.com/office/drawing/2010/main">
                 <a:solidFill>
                   <a:srgbClr val="FFFFFF"/>
                 </a:solidFill>
               </a14:hiddenFill>
             </a:ext>
             <a:ext uri="{91240B29-F687-4F45-9708-019B960494DF}">
-              <a14:hiddenLine xmlns="" xmlns:a14="http://schemas.microsoft.com/office/drawing/2010/main" w="9525">
+              <a14:hiddenLine xmlns:a14="http://schemas.microsoft.com/office/drawing/2010/main" w="9525">
                 <a:solidFill>
                   <a:srgbClr val="000000"/>
                 </a:solidFill>
@@ -1824,14 +1825,14 @@
           <a:noFill/>
           <a:extLst>
             <a:ext uri="{909E8E84-426E-40DD-AFC4-6F175D3DCCD1}">
-              <a14:hiddenFill xmlns="" xmlns:a14="http://schemas.microsoft.com/office/drawing/2010/main">
+              <a14:hiddenFill xmlns:a14="http://schemas.microsoft.com/office/drawing/2010/main">
                 <a:solidFill>
                   <a:srgbClr val="FFFFFF"/>
                 </a:solidFill>
               </a14:hiddenFill>
             </a:ext>
             <a:ext uri="{91240B29-F687-4F45-9708-019B960494DF}">
-              <a14:hiddenLine xmlns="" xmlns:a14="http://schemas.microsoft.com/office/drawing/2010/main" w="9525" cap="flat">
+              <a14:hiddenLine xmlns:a14="http://schemas.microsoft.com/office/drawing/2010/main" w="9525" cap="flat">
                 <a:solidFill>
                   <a:srgbClr val="000000"/>
                 </a:solidFill>
@@ -1853,7 +1854,7 @@
     </p:spTree>
     <p:extLst>
       <p:ext uri="{BB962C8B-B14F-4D97-AF65-F5344CB8AC3E}">
-        <p14:creationId xmlns="" xmlns:p14="http://schemas.microsoft.com/office/powerpoint/2010/main" val="3618151022"/>
+        <p14:creationId xmlns:p14="http://schemas.microsoft.com/office/powerpoint/2010/main" val="3618151022"/>
       </p:ext>
     </p:extLst>
   </p:cSld>
@@ -1902,14 +1903,14 @@
           <a:noFill/>
           <a:extLst>
             <a:ext uri="{909E8E84-426E-40DD-AFC4-6F175D3DCCD1}">
-              <a14:hiddenFill xmlns="" xmlns:a14="http://schemas.microsoft.com/office/drawing/2010/main">
+              <a14:hiddenFill xmlns:a14="http://schemas.microsoft.com/office/drawing/2010/main">
                 <a:solidFill>
                   <a:srgbClr val="FFFFFF"/>
                 </a:solidFill>
               </a14:hiddenFill>
             </a:ext>
             <a:ext uri="{91240B29-F687-4F45-9708-019B960494DF}">
-              <a14:hiddenLine xmlns="" xmlns:a14="http://schemas.microsoft.com/office/drawing/2010/main" w="9525">
+              <a14:hiddenLine xmlns:a14="http://schemas.microsoft.com/office/drawing/2010/main" w="9525">
                 <a:solidFill>
                   <a:srgbClr val="000000"/>
                 </a:solidFill>
@@ -2069,14 +2070,14 @@
           <a:noFill/>
           <a:extLst>
             <a:ext uri="{909E8E84-426E-40DD-AFC4-6F175D3DCCD1}">
-              <a14:hiddenFill xmlns="" xmlns:a14="http://schemas.microsoft.com/office/drawing/2010/main">
+              <a14:hiddenFill xmlns:a14="http://schemas.microsoft.com/office/drawing/2010/main">
                 <a:solidFill>
                   <a:srgbClr val="FFFFFF"/>
                 </a:solidFill>
               </a14:hiddenFill>
             </a:ext>
             <a:ext uri="{91240B29-F687-4F45-9708-019B960494DF}">
-              <a14:hiddenLine xmlns="" xmlns:a14="http://schemas.microsoft.com/office/drawing/2010/main" w="9525" cap="flat">
+              <a14:hiddenLine xmlns:a14="http://schemas.microsoft.com/office/drawing/2010/main" w="9525" cap="flat">
                 <a:solidFill>
                   <a:srgbClr val="000000"/>
                 </a:solidFill>
@@ -2098,7 +2099,7 @@
     </p:spTree>
     <p:extLst>
       <p:ext uri="{BB962C8B-B14F-4D97-AF65-F5344CB8AC3E}">
-        <p14:creationId xmlns="" xmlns:p14="http://schemas.microsoft.com/office/powerpoint/2010/main" val="2535392400"/>
+        <p14:creationId xmlns:p14="http://schemas.microsoft.com/office/powerpoint/2010/main" val="2535392400"/>
       </p:ext>
     </p:extLst>
   </p:cSld>
@@ -2147,14 +2148,14 @@
           <a:noFill/>
           <a:extLst>
             <a:ext uri="{909E8E84-426E-40DD-AFC4-6F175D3DCCD1}">
-              <a14:hiddenFill xmlns="" xmlns:a14="http://schemas.microsoft.com/office/drawing/2010/main">
+              <a14:hiddenFill xmlns:a14="http://schemas.microsoft.com/office/drawing/2010/main">
                 <a:solidFill>
                   <a:srgbClr val="FFFFFF"/>
                 </a:solidFill>
               </a14:hiddenFill>
             </a:ext>
             <a:ext uri="{91240B29-F687-4F45-9708-019B960494DF}">
-              <a14:hiddenLine xmlns="" xmlns:a14="http://schemas.microsoft.com/office/drawing/2010/main" w="9525">
+              <a14:hiddenLine xmlns:a14="http://schemas.microsoft.com/office/drawing/2010/main" w="9525">
                 <a:solidFill>
                   <a:srgbClr val="000000"/>
                 </a:solidFill>
@@ -2314,14 +2315,14 @@
           <a:noFill/>
           <a:extLst>
             <a:ext uri="{909E8E84-426E-40DD-AFC4-6F175D3DCCD1}">
-              <a14:hiddenFill xmlns="" xmlns:a14="http://schemas.microsoft.com/office/drawing/2010/main">
+              <a14:hiddenFill xmlns:a14="http://schemas.microsoft.com/office/drawing/2010/main">
                 <a:solidFill>
                   <a:srgbClr val="FFFFFF"/>
                 </a:solidFill>
               </a14:hiddenFill>
             </a:ext>
             <a:ext uri="{91240B29-F687-4F45-9708-019B960494DF}">
-              <a14:hiddenLine xmlns="" xmlns:a14="http://schemas.microsoft.com/office/drawing/2010/main" w="9525" cap="flat">
+              <a14:hiddenLine xmlns:a14="http://schemas.microsoft.com/office/drawing/2010/main" w="9525" cap="flat">
                 <a:solidFill>
                   <a:srgbClr val="000000"/>
                 </a:solidFill>
@@ -2343,7 +2344,7 @@
     </p:spTree>
     <p:extLst>
       <p:ext uri="{BB962C8B-B14F-4D97-AF65-F5344CB8AC3E}">
-        <p14:creationId xmlns="" xmlns:p14="http://schemas.microsoft.com/office/powerpoint/2010/main" val="1358225562"/>
+        <p14:creationId xmlns:p14="http://schemas.microsoft.com/office/powerpoint/2010/main" val="1358225562"/>
       </p:ext>
     </p:extLst>
   </p:cSld>
@@ -2392,14 +2393,14 @@
           <a:noFill/>
           <a:extLst>
             <a:ext uri="{909E8E84-426E-40DD-AFC4-6F175D3DCCD1}">
-              <a14:hiddenFill xmlns="" xmlns:a14="http://schemas.microsoft.com/office/drawing/2010/main">
+              <a14:hiddenFill xmlns:a14="http://schemas.microsoft.com/office/drawing/2010/main">
                 <a:solidFill>
                   <a:srgbClr val="FFFFFF"/>
                 </a:solidFill>
               </a14:hiddenFill>
             </a:ext>
             <a:ext uri="{91240B29-F687-4F45-9708-019B960494DF}">
-              <a14:hiddenLine xmlns="" xmlns:a14="http://schemas.microsoft.com/office/drawing/2010/main" w="9525">
+              <a14:hiddenLine xmlns:a14="http://schemas.microsoft.com/office/drawing/2010/main" w="9525">
                 <a:solidFill>
                   <a:srgbClr val="000000"/>
                 </a:solidFill>
@@ -2559,14 +2560,14 @@
           <a:noFill/>
           <a:extLst>
             <a:ext uri="{909E8E84-426E-40DD-AFC4-6F175D3DCCD1}">
-              <a14:hiddenFill xmlns="" xmlns:a14="http://schemas.microsoft.com/office/drawing/2010/main">
+              <a14:hiddenFill xmlns:a14="http://schemas.microsoft.com/office/drawing/2010/main">
                 <a:solidFill>
                   <a:srgbClr val="FFFFFF"/>
                 </a:solidFill>
               </a14:hiddenFill>
             </a:ext>
             <a:ext uri="{91240B29-F687-4F45-9708-019B960494DF}">
-              <a14:hiddenLine xmlns="" xmlns:a14="http://schemas.microsoft.com/office/drawing/2010/main" w="9525" cap="flat">
+              <a14:hiddenLine xmlns:a14="http://schemas.microsoft.com/office/drawing/2010/main" w="9525" cap="flat">
                 <a:solidFill>
                   <a:srgbClr val="000000"/>
                 </a:solidFill>
@@ -2588,7 +2589,7 @@
     </p:spTree>
     <p:extLst>
       <p:ext uri="{BB962C8B-B14F-4D97-AF65-F5344CB8AC3E}">
-        <p14:creationId xmlns="" xmlns:p14="http://schemas.microsoft.com/office/powerpoint/2010/main" val="2284497813"/>
+        <p14:creationId xmlns:p14="http://schemas.microsoft.com/office/powerpoint/2010/main" val="2284497813"/>
       </p:ext>
     </p:extLst>
   </p:cSld>
@@ -2637,14 +2638,14 @@
           <a:noFill/>
           <a:extLst>
             <a:ext uri="{909E8E84-426E-40DD-AFC4-6F175D3DCCD1}">
-              <a14:hiddenFill xmlns="" xmlns:a14="http://schemas.microsoft.com/office/drawing/2010/main">
+              <a14:hiddenFill xmlns:a14="http://schemas.microsoft.com/office/drawing/2010/main">
                 <a:solidFill>
                   <a:srgbClr val="FFFFFF"/>
                 </a:solidFill>
               </a14:hiddenFill>
             </a:ext>
             <a:ext uri="{91240B29-F687-4F45-9708-019B960494DF}">
-              <a14:hiddenLine xmlns="" xmlns:a14="http://schemas.microsoft.com/office/drawing/2010/main" w="9525">
+              <a14:hiddenLine xmlns:a14="http://schemas.microsoft.com/office/drawing/2010/main" w="9525">
                 <a:solidFill>
                   <a:srgbClr val="000000"/>
                 </a:solidFill>
@@ -2804,14 +2805,14 @@
           <a:noFill/>
           <a:extLst>
             <a:ext uri="{909E8E84-426E-40DD-AFC4-6F175D3DCCD1}">
-              <a14:hiddenFill xmlns="" xmlns:a14="http://schemas.microsoft.com/office/drawing/2010/main">
+              <a14:hiddenFill xmlns:a14="http://schemas.microsoft.com/office/drawing/2010/main">
                 <a:solidFill>
                   <a:srgbClr val="FFFFFF"/>
                 </a:solidFill>
               </a14:hiddenFill>
             </a:ext>
             <a:ext uri="{91240B29-F687-4F45-9708-019B960494DF}">
-              <a14:hiddenLine xmlns="" xmlns:a14="http://schemas.microsoft.com/office/drawing/2010/main" w="9525" cap="flat">
+              <a14:hiddenLine xmlns:a14="http://schemas.microsoft.com/office/drawing/2010/main" w="9525" cap="flat">
                 <a:solidFill>
                   <a:srgbClr val="000000"/>
                 </a:solidFill>
@@ -2833,7 +2834,7 @@
     </p:spTree>
     <p:extLst>
       <p:ext uri="{BB962C8B-B14F-4D97-AF65-F5344CB8AC3E}">
-        <p14:creationId xmlns="" xmlns:p14="http://schemas.microsoft.com/office/powerpoint/2010/main" val="4181443264"/>
+        <p14:creationId xmlns:p14="http://schemas.microsoft.com/office/powerpoint/2010/main" val="4181443264"/>
       </p:ext>
     </p:extLst>
   </p:cSld>
@@ -2882,14 +2883,14 @@
           <a:noFill/>
           <a:extLst>
             <a:ext uri="{909E8E84-426E-40DD-AFC4-6F175D3DCCD1}">
-              <a14:hiddenFill xmlns="" xmlns:a14="http://schemas.microsoft.com/office/drawing/2010/main">
+              <a14:hiddenFill xmlns:a14="http://schemas.microsoft.com/office/drawing/2010/main">
                 <a:solidFill>
                   <a:srgbClr val="FFFFFF"/>
                 </a:solidFill>
               </a14:hiddenFill>
             </a:ext>
             <a:ext uri="{91240B29-F687-4F45-9708-019B960494DF}">
-              <a14:hiddenLine xmlns="" xmlns:a14="http://schemas.microsoft.com/office/drawing/2010/main" w="9525">
+              <a14:hiddenLine xmlns:a14="http://schemas.microsoft.com/office/drawing/2010/main" w="9525">
                 <a:solidFill>
                   <a:srgbClr val="000000"/>
                 </a:solidFill>
@@ -3049,14 +3050,14 @@
           <a:noFill/>
           <a:extLst>
             <a:ext uri="{909E8E84-426E-40DD-AFC4-6F175D3DCCD1}">
-              <a14:hiddenFill xmlns="" xmlns:a14="http://schemas.microsoft.com/office/drawing/2010/main">
+              <a14:hiddenFill xmlns:a14="http://schemas.microsoft.com/office/drawing/2010/main">
                 <a:solidFill>
                   <a:srgbClr val="FFFFFF"/>
                 </a:solidFill>
               </a14:hiddenFill>
             </a:ext>
             <a:ext uri="{91240B29-F687-4F45-9708-019B960494DF}">
-              <a14:hiddenLine xmlns="" xmlns:a14="http://schemas.microsoft.com/office/drawing/2010/main" w="9525" cap="flat">
+              <a14:hiddenLine xmlns:a14="http://schemas.microsoft.com/office/drawing/2010/main" w="9525" cap="flat">
                 <a:solidFill>
                   <a:srgbClr val="000000"/>
                 </a:solidFill>
@@ -3078,7 +3079,7 @@
     </p:spTree>
     <p:extLst>
       <p:ext uri="{BB962C8B-B14F-4D97-AF65-F5344CB8AC3E}">
-        <p14:creationId xmlns="" xmlns:p14="http://schemas.microsoft.com/office/powerpoint/2010/main" val="117733748"/>
+        <p14:creationId xmlns:p14="http://schemas.microsoft.com/office/powerpoint/2010/main" val="117733748"/>
       </p:ext>
     </p:extLst>
   </p:cSld>
@@ -3127,14 +3128,14 @@
           <a:noFill/>
           <a:extLst>
             <a:ext uri="{909E8E84-426E-40DD-AFC4-6F175D3DCCD1}">
-              <a14:hiddenFill xmlns="" xmlns:a14="http://schemas.microsoft.com/office/drawing/2010/main">
+              <a14:hiddenFill xmlns:a14="http://schemas.microsoft.com/office/drawing/2010/main">
                 <a:solidFill>
                   <a:srgbClr val="FFFFFF"/>
                 </a:solidFill>
               </a14:hiddenFill>
             </a:ext>
             <a:ext uri="{91240B29-F687-4F45-9708-019B960494DF}">
-              <a14:hiddenLine xmlns="" xmlns:a14="http://schemas.microsoft.com/office/drawing/2010/main" w="9525">
+              <a14:hiddenLine xmlns:a14="http://schemas.microsoft.com/office/drawing/2010/main" w="9525">
                 <a:solidFill>
                   <a:srgbClr val="000000"/>
                 </a:solidFill>
@@ -3294,14 +3295,14 @@
           <a:noFill/>
           <a:extLst>
             <a:ext uri="{909E8E84-426E-40DD-AFC4-6F175D3DCCD1}">
-              <a14:hiddenFill xmlns="" xmlns:a14="http://schemas.microsoft.com/office/drawing/2010/main">
+              <a14:hiddenFill xmlns:a14="http://schemas.microsoft.com/office/drawing/2010/main">
                 <a:solidFill>
                   <a:srgbClr val="FFFFFF"/>
                 </a:solidFill>
               </a14:hiddenFill>
             </a:ext>
             <a:ext uri="{91240B29-F687-4F45-9708-019B960494DF}">
-              <a14:hiddenLine xmlns="" xmlns:a14="http://schemas.microsoft.com/office/drawing/2010/main" w="9525" cap="flat">
+              <a14:hiddenLine xmlns:a14="http://schemas.microsoft.com/office/drawing/2010/main" w="9525" cap="flat">
                 <a:solidFill>
                   <a:srgbClr val="000000"/>
                 </a:solidFill>
@@ -3323,7 +3324,7 @@
     </p:spTree>
     <p:extLst>
       <p:ext uri="{BB962C8B-B14F-4D97-AF65-F5344CB8AC3E}">
-        <p14:creationId xmlns="" xmlns:p14="http://schemas.microsoft.com/office/powerpoint/2010/main" val="3780457899"/>
+        <p14:creationId xmlns:p14="http://schemas.microsoft.com/office/powerpoint/2010/main" val="3780457899"/>
       </p:ext>
     </p:extLst>
   </p:cSld>
@@ -3372,14 +3373,14 @@
           <a:noFill/>
           <a:extLst>
             <a:ext uri="{909E8E84-426E-40DD-AFC4-6F175D3DCCD1}">
-              <a14:hiddenFill xmlns="" xmlns:a14="http://schemas.microsoft.com/office/drawing/2010/main">
+              <a14:hiddenFill xmlns:a14="http://schemas.microsoft.com/office/drawing/2010/main">
                 <a:solidFill>
                   <a:srgbClr val="FFFFFF"/>
                 </a:solidFill>
               </a14:hiddenFill>
             </a:ext>
             <a:ext uri="{91240B29-F687-4F45-9708-019B960494DF}">
-              <a14:hiddenLine xmlns="" xmlns:a14="http://schemas.microsoft.com/office/drawing/2010/main" w="9525">
+              <a14:hiddenLine xmlns:a14="http://schemas.microsoft.com/office/drawing/2010/main" w="9525">
                 <a:solidFill>
                   <a:srgbClr val="000000"/>
                 </a:solidFill>
@@ -3531,14 +3532,14 @@
           <a:noFill/>
           <a:extLst>
             <a:ext uri="{909E8E84-426E-40DD-AFC4-6F175D3DCCD1}">
-              <a14:hiddenFill xmlns="" xmlns:a14="http://schemas.microsoft.com/office/drawing/2010/main">
+              <a14:hiddenFill xmlns:a14="http://schemas.microsoft.com/office/drawing/2010/main">
                 <a:solidFill>
                   <a:srgbClr val="FFFFFF"/>
                 </a:solidFill>
               </a14:hiddenFill>
             </a:ext>
             <a:ext uri="{91240B29-F687-4F45-9708-019B960494DF}">
-              <a14:hiddenLine xmlns="" xmlns:a14="http://schemas.microsoft.com/office/drawing/2010/main" w="9525" cap="flat">
+              <a14:hiddenLine xmlns:a14="http://schemas.microsoft.com/office/drawing/2010/main" w="9525" cap="flat">
                 <a:solidFill>
                   <a:srgbClr val="000000"/>
                 </a:solidFill>
@@ -3560,7 +3561,7 @@
     </p:spTree>
     <p:extLst>
       <p:ext uri="{BB962C8B-B14F-4D97-AF65-F5344CB8AC3E}">
-        <p14:creationId xmlns="" xmlns:p14="http://schemas.microsoft.com/office/powerpoint/2010/main" val="3967085519"/>
+        <p14:creationId xmlns:p14="http://schemas.microsoft.com/office/powerpoint/2010/main" val="3967085519"/>
       </p:ext>
     </p:extLst>
   </p:cSld>
@@ -3609,14 +3610,14 @@
           <a:noFill/>
           <a:extLst>
             <a:ext uri="{909E8E84-426E-40DD-AFC4-6F175D3DCCD1}">
-              <a14:hiddenFill xmlns="" xmlns:a14="http://schemas.microsoft.com/office/drawing/2010/main">
+              <a14:hiddenFill xmlns:a14="http://schemas.microsoft.com/office/drawing/2010/main">
                 <a:solidFill>
                   <a:srgbClr val="FFFFFF"/>
                 </a:solidFill>
               </a14:hiddenFill>
             </a:ext>
             <a:ext uri="{91240B29-F687-4F45-9708-019B960494DF}">
-              <a14:hiddenLine xmlns="" xmlns:a14="http://schemas.microsoft.com/office/drawing/2010/main" w="9525">
+              <a14:hiddenLine xmlns:a14="http://schemas.microsoft.com/office/drawing/2010/main" w="9525">
                 <a:solidFill>
                   <a:srgbClr val="000000"/>
                 </a:solidFill>
@@ -3776,14 +3777,14 @@
           <a:noFill/>
           <a:extLst>
             <a:ext uri="{909E8E84-426E-40DD-AFC4-6F175D3DCCD1}">
-              <a14:hiddenFill xmlns="" xmlns:a14="http://schemas.microsoft.com/office/drawing/2010/main">
+              <a14:hiddenFill xmlns:a14="http://schemas.microsoft.com/office/drawing/2010/main">
                 <a:solidFill>
                   <a:srgbClr val="FFFFFF"/>
                 </a:solidFill>
               </a14:hiddenFill>
             </a:ext>
             <a:ext uri="{91240B29-F687-4F45-9708-019B960494DF}">
-              <a14:hiddenLine xmlns="" xmlns:a14="http://schemas.microsoft.com/office/drawing/2010/main" w="9525" cap="flat">
+              <a14:hiddenLine xmlns:a14="http://schemas.microsoft.com/office/drawing/2010/main" w="9525" cap="flat">
                 <a:solidFill>
                   <a:srgbClr val="000000"/>
                 </a:solidFill>
@@ -3805,7 +3806,7 @@
     </p:spTree>
     <p:extLst>
       <p:ext uri="{BB962C8B-B14F-4D97-AF65-F5344CB8AC3E}">
-        <p14:creationId xmlns="" xmlns:p14="http://schemas.microsoft.com/office/powerpoint/2010/main" val="948932227"/>
+        <p14:creationId xmlns:p14="http://schemas.microsoft.com/office/powerpoint/2010/main" val="948932227"/>
       </p:ext>
     </p:extLst>
   </p:cSld>
@@ -3854,14 +3855,14 @@
           <a:noFill/>
           <a:extLst>
             <a:ext uri="{909E8E84-426E-40DD-AFC4-6F175D3DCCD1}">
-              <a14:hiddenFill xmlns="" xmlns:a14="http://schemas.microsoft.com/office/drawing/2010/main">
+              <a14:hiddenFill xmlns:a14="http://schemas.microsoft.com/office/drawing/2010/main">
                 <a:solidFill>
                   <a:srgbClr val="FFFFFF"/>
                 </a:solidFill>
               </a14:hiddenFill>
             </a:ext>
             <a:ext uri="{91240B29-F687-4F45-9708-019B960494DF}">
-              <a14:hiddenLine xmlns="" xmlns:a14="http://schemas.microsoft.com/office/drawing/2010/main" w="9525">
+              <a14:hiddenLine xmlns:a14="http://schemas.microsoft.com/office/drawing/2010/main" w="9525">
                 <a:solidFill>
                   <a:srgbClr val="000000"/>
                 </a:solidFill>
@@ -4021,14 +4022,14 @@
           <a:noFill/>
           <a:extLst>
             <a:ext uri="{909E8E84-426E-40DD-AFC4-6F175D3DCCD1}">
-              <a14:hiddenFill xmlns="" xmlns:a14="http://schemas.microsoft.com/office/drawing/2010/main">
+              <a14:hiddenFill xmlns:a14="http://schemas.microsoft.com/office/drawing/2010/main">
                 <a:solidFill>
                   <a:srgbClr val="FFFFFF"/>
                 </a:solidFill>
               </a14:hiddenFill>
             </a:ext>
             <a:ext uri="{91240B29-F687-4F45-9708-019B960494DF}">
-              <a14:hiddenLine xmlns="" xmlns:a14="http://schemas.microsoft.com/office/drawing/2010/main" w="9525" cap="flat">
+              <a14:hiddenLine xmlns:a14="http://schemas.microsoft.com/office/drawing/2010/main" w="9525" cap="flat">
                 <a:solidFill>
                   <a:srgbClr val="000000"/>
                 </a:solidFill>
@@ -4050,7 +4051,7 @@
     </p:spTree>
     <p:extLst>
       <p:ext uri="{BB962C8B-B14F-4D97-AF65-F5344CB8AC3E}">
-        <p14:creationId xmlns="" xmlns:p14="http://schemas.microsoft.com/office/powerpoint/2010/main" val="2124569222"/>
+        <p14:creationId xmlns:p14="http://schemas.microsoft.com/office/powerpoint/2010/main" val="2124569222"/>
       </p:ext>
     </p:extLst>
   </p:cSld>
@@ -4099,14 +4100,14 @@
           <a:noFill/>
           <a:extLst>
             <a:ext uri="{909E8E84-426E-40DD-AFC4-6F175D3DCCD1}">
-              <a14:hiddenFill xmlns="" xmlns:a14="http://schemas.microsoft.com/office/drawing/2010/main">
+              <a14:hiddenFill xmlns:a14="http://schemas.microsoft.com/office/drawing/2010/main">
                 <a:solidFill>
                   <a:srgbClr val="FFFFFF"/>
                 </a:solidFill>
               </a14:hiddenFill>
             </a:ext>
             <a:ext uri="{91240B29-F687-4F45-9708-019B960494DF}">
-              <a14:hiddenLine xmlns="" xmlns:a14="http://schemas.microsoft.com/office/drawing/2010/main" w="9525">
+              <a14:hiddenLine xmlns:a14="http://schemas.microsoft.com/office/drawing/2010/main" w="9525">
                 <a:solidFill>
                   <a:srgbClr val="000000"/>
                 </a:solidFill>
@@ -4266,14 +4267,14 @@
           <a:noFill/>
           <a:extLst>
             <a:ext uri="{909E8E84-426E-40DD-AFC4-6F175D3DCCD1}">
-              <a14:hiddenFill xmlns="" xmlns:a14="http://schemas.microsoft.com/office/drawing/2010/main">
+              <a14:hiddenFill xmlns:a14="http://schemas.microsoft.com/office/drawing/2010/main">
                 <a:solidFill>
                   <a:srgbClr val="FFFFFF"/>
                 </a:solidFill>
               </a14:hiddenFill>
             </a:ext>
             <a:ext uri="{91240B29-F687-4F45-9708-019B960494DF}">
-              <a14:hiddenLine xmlns="" xmlns:a14="http://schemas.microsoft.com/office/drawing/2010/main" w="9525" cap="flat">
+              <a14:hiddenLine xmlns:a14="http://schemas.microsoft.com/office/drawing/2010/main" w="9525" cap="flat">
                 <a:solidFill>
                   <a:srgbClr val="000000"/>
                 </a:solidFill>
@@ -4295,7 +4296,7 @@
     </p:spTree>
     <p:extLst>
       <p:ext uri="{BB962C8B-B14F-4D97-AF65-F5344CB8AC3E}">
-        <p14:creationId xmlns="" xmlns:p14="http://schemas.microsoft.com/office/powerpoint/2010/main" val="3970196287"/>
+        <p14:creationId xmlns:p14="http://schemas.microsoft.com/office/powerpoint/2010/main" val="3970196287"/>
       </p:ext>
     </p:extLst>
   </p:cSld>
@@ -4344,14 +4345,14 @@
           <a:noFill/>
           <a:extLst>
             <a:ext uri="{909E8E84-426E-40DD-AFC4-6F175D3DCCD1}">
-              <a14:hiddenFill xmlns="" xmlns:a14="http://schemas.microsoft.com/office/drawing/2010/main">
+              <a14:hiddenFill xmlns:a14="http://schemas.microsoft.com/office/drawing/2010/main">
                 <a:solidFill>
                   <a:srgbClr val="FFFFFF"/>
                 </a:solidFill>
               </a14:hiddenFill>
             </a:ext>
             <a:ext uri="{91240B29-F687-4F45-9708-019B960494DF}">
-              <a14:hiddenLine xmlns="" xmlns:a14="http://schemas.microsoft.com/office/drawing/2010/main" w="9525">
+              <a14:hiddenLine xmlns:a14="http://schemas.microsoft.com/office/drawing/2010/main" w="9525">
                 <a:solidFill>
                   <a:srgbClr val="000000"/>
                 </a:solidFill>
@@ -4511,14 +4512,14 @@
           <a:noFill/>
           <a:extLst>
             <a:ext uri="{909E8E84-426E-40DD-AFC4-6F175D3DCCD1}">
-              <a14:hiddenFill xmlns="" xmlns:a14="http://schemas.microsoft.com/office/drawing/2010/main">
+              <a14:hiddenFill xmlns:a14="http://schemas.microsoft.com/office/drawing/2010/main">
                 <a:solidFill>
                   <a:srgbClr val="FFFFFF"/>
                 </a:solidFill>
               </a14:hiddenFill>
             </a:ext>
             <a:ext uri="{91240B29-F687-4F45-9708-019B960494DF}">
-              <a14:hiddenLine xmlns="" xmlns:a14="http://schemas.microsoft.com/office/drawing/2010/main" w="9525" cap="flat">
+              <a14:hiddenLine xmlns:a14="http://schemas.microsoft.com/office/drawing/2010/main" w="9525" cap="flat">
                 <a:solidFill>
                   <a:srgbClr val="000000"/>
                 </a:solidFill>
@@ -4540,7 +4541,7 @@
     </p:spTree>
     <p:extLst>
       <p:ext uri="{BB962C8B-B14F-4D97-AF65-F5344CB8AC3E}">
-        <p14:creationId xmlns="" xmlns:p14="http://schemas.microsoft.com/office/powerpoint/2010/main" val="238452449"/>
+        <p14:creationId xmlns:p14="http://schemas.microsoft.com/office/powerpoint/2010/main" val="238452449"/>
       </p:ext>
     </p:extLst>
   </p:cSld>
@@ -4589,14 +4590,14 @@
           <a:noFill/>
           <a:extLst>
             <a:ext uri="{909E8E84-426E-40DD-AFC4-6F175D3DCCD1}">
-              <a14:hiddenFill xmlns="" xmlns:a14="http://schemas.microsoft.com/office/drawing/2010/main">
+              <a14:hiddenFill xmlns:a14="http://schemas.microsoft.com/office/drawing/2010/main">
                 <a:solidFill>
                   <a:srgbClr val="FFFFFF"/>
                 </a:solidFill>
               </a14:hiddenFill>
             </a:ext>
             <a:ext uri="{91240B29-F687-4F45-9708-019B960494DF}">
-              <a14:hiddenLine xmlns="" xmlns:a14="http://schemas.microsoft.com/office/drawing/2010/main" w="9525">
+              <a14:hiddenLine xmlns:a14="http://schemas.microsoft.com/office/drawing/2010/main" w="9525">
                 <a:solidFill>
                   <a:srgbClr val="000000"/>
                 </a:solidFill>
@@ -4756,14 +4757,14 @@
           <a:noFill/>
           <a:extLst>
             <a:ext uri="{909E8E84-426E-40DD-AFC4-6F175D3DCCD1}">
-              <a14:hiddenFill xmlns="" xmlns:a14="http://schemas.microsoft.com/office/drawing/2010/main">
+              <a14:hiddenFill xmlns:a14="http://schemas.microsoft.com/office/drawing/2010/main">
                 <a:solidFill>
                   <a:srgbClr val="FFFFFF"/>
                 </a:solidFill>
               </a14:hiddenFill>
             </a:ext>
             <a:ext uri="{91240B29-F687-4F45-9708-019B960494DF}">
-              <a14:hiddenLine xmlns="" xmlns:a14="http://schemas.microsoft.com/office/drawing/2010/main" w="9525" cap="flat">
+              <a14:hiddenLine xmlns:a14="http://schemas.microsoft.com/office/drawing/2010/main" w="9525" cap="flat">
                 <a:solidFill>
                   <a:srgbClr val="000000"/>
                 </a:solidFill>
@@ -4785,7 +4786,7 @@
     </p:spTree>
     <p:extLst>
       <p:ext uri="{BB962C8B-B14F-4D97-AF65-F5344CB8AC3E}">
-        <p14:creationId xmlns="" xmlns:p14="http://schemas.microsoft.com/office/powerpoint/2010/main" val="1865334497"/>
+        <p14:creationId xmlns:p14="http://schemas.microsoft.com/office/powerpoint/2010/main" val="1865334497"/>
       </p:ext>
     </p:extLst>
   </p:cSld>
@@ -4834,14 +4835,14 @@
           <a:noFill/>
           <a:extLst>
             <a:ext uri="{909E8E84-426E-40DD-AFC4-6F175D3DCCD1}">
-              <a14:hiddenFill xmlns="" xmlns:a14="http://schemas.microsoft.com/office/drawing/2010/main">
+              <a14:hiddenFill xmlns:a14="http://schemas.microsoft.com/office/drawing/2010/main">
                 <a:solidFill>
                   <a:srgbClr val="FFFFFF"/>
                 </a:solidFill>
               </a14:hiddenFill>
             </a:ext>
             <a:ext uri="{91240B29-F687-4F45-9708-019B960494DF}">
-              <a14:hiddenLine xmlns="" xmlns:a14="http://schemas.microsoft.com/office/drawing/2010/main" w="9525">
+              <a14:hiddenLine xmlns:a14="http://schemas.microsoft.com/office/drawing/2010/main" w="9525">
                 <a:solidFill>
                   <a:srgbClr val="000000"/>
                 </a:solidFill>
@@ -5001,14 +5002,14 @@
           <a:noFill/>
           <a:extLst>
             <a:ext uri="{909E8E84-426E-40DD-AFC4-6F175D3DCCD1}">
-              <a14:hiddenFill xmlns="" xmlns:a14="http://schemas.microsoft.com/office/drawing/2010/main">
+              <a14:hiddenFill xmlns:a14="http://schemas.microsoft.com/office/drawing/2010/main">
                 <a:solidFill>
                   <a:srgbClr val="FFFFFF"/>
                 </a:solidFill>
               </a14:hiddenFill>
             </a:ext>
             <a:ext uri="{91240B29-F687-4F45-9708-019B960494DF}">
-              <a14:hiddenLine xmlns="" xmlns:a14="http://schemas.microsoft.com/office/drawing/2010/main" w="9525" cap="flat">
+              <a14:hiddenLine xmlns:a14="http://schemas.microsoft.com/office/drawing/2010/main" w="9525" cap="flat">
                 <a:solidFill>
                   <a:srgbClr val="000000"/>
                 </a:solidFill>
@@ -5030,7 +5031,7 @@
     </p:spTree>
     <p:extLst>
       <p:ext uri="{BB962C8B-B14F-4D97-AF65-F5344CB8AC3E}">
-        <p14:creationId xmlns="" xmlns:p14="http://schemas.microsoft.com/office/powerpoint/2010/main" val="625478689"/>
+        <p14:creationId xmlns:p14="http://schemas.microsoft.com/office/powerpoint/2010/main" val="625478689"/>
       </p:ext>
     </p:extLst>
   </p:cSld>
@@ -5079,14 +5080,14 @@
           <a:noFill/>
           <a:extLst>
             <a:ext uri="{909E8E84-426E-40DD-AFC4-6F175D3DCCD1}">
-              <a14:hiddenFill xmlns="" xmlns:a14="http://schemas.microsoft.com/office/drawing/2010/main">
+              <a14:hiddenFill xmlns:a14="http://schemas.microsoft.com/office/drawing/2010/main">
                 <a:solidFill>
                   <a:srgbClr val="FFFFFF"/>
                 </a:solidFill>
               </a14:hiddenFill>
             </a:ext>
             <a:ext uri="{91240B29-F687-4F45-9708-019B960494DF}">
-              <a14:hiddenLine xmlns="" xmlns:a14="http://schemas.microsoft.com/office/drawing/2010/main" w="9525">
+              <a14:hiddenLine xmlns:a14="http://schemas.microsoft.com/office/drawing/2010/main" w="9525">
                 <a:solidFill>
                   <a:srgbClr val="000000"/>
                 </a:solidFill>
@@ -5246,14 +5247,14 @@
           <a:noFill/>
           <a:extLst>
             <a:ext uri="{909E8E84-426E-40DD-AFC4-6F175D3DCCD1}">
-              <a14:hiddenFill xmlns="" xmlns:a14="http://schemas.microsoft.com/office/drawing/2010/main">
+              <a14:hiddenFill xmlns:a14="http://schemas.microsoft.com/office/drawing/2010/main">
                 <a:solidFill>
                   <a:srgbClr val="FFFFFF"/>
                 </a:solidFill>
               </a14:hiddenFill>
             </a:ext>
             <a:ext uri="{91240B29-F687-4F45-9708-019B960494DF}">
-              <a14:hiddenLine xmlns="" xmlns:a14="http://schemas.microsoft.com/office/drawing/2010/main" w="9525" cap="flat">
+              <a14:hiddenLine xmlns:a14="http://schemas.microsoft.com/office/drawing/2010/main" w="9525" cap="flat">
                 <a:solidFill>
                   <a:srgbClr val="000000"/>
                 </a:solidFill>
@@ -5275,7 +5276,7 @@
     </p:spTree>
     <p:extLst>
       <p:ext uri="{BB962C8B-B14F-4D97-AF65-F5344CB8AC3E}">
-        <p14:creationId xmlns="" xmlns:p14="http://schemas.microsoft.com/office/powerpoint/2010/main" val="1719163461"/>
+        <p14:creationId xmlns:p14="http://schemas.microsoft.com/office/powerpoint/2010/main" val="1719163461"/>
       </p:ext>
     </p:extLst>
   </p:cSld>
@@ -5324,14 +5325,14 @@
           <a:noFill/>
           <a:extLst>
             <a:ext uri="{909E8E84-426E-40DD-AFC4-6F175D3DCCD1}">
-              <a14:hiddenFill xmlns="" xmlns:a14="http://schemas.microsoft.com/office/drawing/2010/main">
+              <a14:hiddenFill xmlns:a14="http://schemas.microsoft.com/office/drawing/2010/main">
                 <a:solidFill>
                   <a:srgbClr val="FFFFFF"/>
                 </a:solidFill>
               </a14:hiddenFill>
             </a:ext>
             <a:ext uri="{91240B29-F687-4F45-9708-019B960494DF}">
-              <a14:hiddenLine xmlns="" xmlns:a14="http://schemas.microsoft.com/office/drawing/2010/main" w="9525">
+              <a14:hiddenLine xmlns:a14="http://schemas.microsoft.com/office/drawing/2010/main" w="9525">
                 <a:solidFill>
                   <a:srgbClr val="000000"/>
                 </a:solidFill>
@@ -5491,14 +5492,14 @@
           <a:noFill/>
           <a:extLst>
             <a:ext uri="{909E8E84-426E-40DD-AFC4-6F175D3DCCD1}">
-              <a14:hiddenFill xmlns="" xmlns:a14="http://schemas.microsoft.com/office/drawing/2010/main">
+              <a14:hiddenFill xmlns:a14="http://schemas.microsoft.com/office/drawing/2010/main">
                 <a:solidFill>
                   <a:srgbClr val="FFFFFF"/>
                 </a:solidFill>
               </a14:hiddenFill>
             </a:ext>
             <a:ext uri="{91240B29-F687-4F45-9708-019B960494DF}">
-              <a14:hiddenLine xmlns="" xmlns:a14="http://schemas.microsoft.com/office/drawing/2010/main" w="9525" cap="flat">
+              <a14:hiddenLine xmlns:a14="http://schemas.microsoft.com/office/drawing/2010/main" w="9525" cap="flat">
                 <a:solidFill>
                   <a:srgbClr val="000000"/>
                 </a:solidFill>
@@ -5520,7 +5521,7 @@
     </p:spTree>
     <p:extLst>
       <p:ext uri="{BB962C8B-B14F-4D97-AF65-F5344CB8AC3E}">
-        <p14:creationId xmlns="" xmlns:p14="http://schemas.microsoft.com/office/powerpoint/2010/main" val="2482584461"/>
+        <p14:creationId xmlns:p14="http://schemas.microsoft.com/office/powerpoint/2010/main" val="2482584461"/>
       </p:ext>
     </p:extLst>
   </p:cSld>
@@ -5569,14 +5570,14 @@
           <a:noFill/>
           <a:extLst>
             <a:ext uri="{909E8E84-426E-40DD-AFC4-6F175D3DCCD1}">
-              <a14:hiddenFill xmlns="" xmlns:a14="http://schemas.microsoft.com/office/drawing/2010/main">
+              <a14:hiddenFill xmlns:a14="http://schemas.microsoft.com/office/drawing/2010/main">
                 <a:solidFill>
                   <a:srgbClr val="FFFFFF"/>
                 </a:solidFill>
               </a14:hiddenFill>
             </a:ext>
             <a:ext uri="{91240B29-F687-4F45-9708-019B960494DF}">
-              <a14:hiddenLine xmlns="" xmlns:a14="http://schemas.microsoft.com/office/drawing/2010/main" w="9525">
+              <a14:hiddenLine xmlns:a14="http://schemas.microsoft.com/office/drawing/2010/main" w="9525">
                 <a:solidFill>
                   <a:srgbClr val="000000"/>
                 </a:solidFill>
@@ -5736,14 +5737,14 @@
           <a:noFill/>
           <a:extLst>
             <a:ext uri="{909E8E84-426E-40DD-AFC4-6F175D3DCCD1}">
-              <a14:hiddenFill xmlns="" xmlns:a14="http://schemas.microsoft.com/office/drawing/2010/main">
+              <a14:hiddenFill xmlns:a14="http://schemas.microsoft.com/office/drawing/2010/main">
                 <a:solidFill>
                   <a:srgbClr val="FFFFFF"/>
                 </a:solidFill>
               </a14:hiddenFill>
             </a:ext>
             <a:ext uri="{91240B29-F687-4F45-9708-019B960494DF}">
-              <a14:hiddenLine xmlns="" xmlns:a14="http://schemas.microsoft.com/office/drawing/2010/main" w="9525" cap="flat">
+              <a14:hiddenLine xmlns:a14="http://schemas.microsoft.com/office/drawing/2010/main" w="9525" cap="flat">
                 <a:solidFill>
                   <a:srgbClr val="000000"/>
                 </a:solidFill>
@@ -5765,7 +5766,7 @@
     </p:spTree>
     <p:extLst>
       <p:ext uri="{BB962C8B-B14F-4D97-AF65-F5344CB8AC3E}">
-        <p14:creationId xmlns="" xmlns:p14="http://schemas.microsoft.com/office/powerpoint/2010/main" val="1916509321"/>
+        <p14:creationId xmlns:p14="http://schemas.microsoft.com/office/powerpoint/2010/main" val="1916509321"/>
       </p:ext>
     </p:extLst>
   </p:cSld>
@@ -5814,14 +5815,14 @@
           <a:noFill/>
           <a:extLst>
             <a:ext uri="{909E8E84-426E-40DD-AFC4-6F175D3DCCD1}">
-              <a14:hiddenFill xmlns="" xmlns:a14="http://schemas.microsoft.com/office/drawing/2010/main">
+              <a14:hiddenFill xmlns:a14="http://schemas.microsoft.com/office/drawing/2010/main">
                 <a:solidFill>
                   <a:srgbClr val="FFFFFF"/>
                 </a:solidFill>
               </a14:hiddenFill>
             </a:ext>
             <a:ext uri="{91240B29-F687-4F45-9708-019B960494DF}">
-              <a14:hiddenLine xmlns="" xmlns:a14="http://schemas.microsoft.com/office/drawing/2010/main" w="9525">
+              <a14:hiddenLine xmlns:a14="http://schemas.microsoft.com/office/drawing/2010/main" w="9525">
                 <a:solidFill>
                   <a:srgbClr val="000000"/>
                 </a:solidFill>
@@ -5981,14 +5982,14 @@
           <a:noFill/>
           <a:extLst>
             <a:ext uri="{909E8E84-426E-40DD-AFC4-6F175D3DCCD1}">
-              <a14:hiddenFill xmlns="" xmlns:a14="http://schemas.microsoft.com/office/drawing/2010/main">
+              <a14:hiddenFill xmlns:a14="http://schemas.microsoft.com/office/drawing/2010/main">
                 <a:solidFill>
                   <a:srgbClr val="FFFFFF"/>
                 </a:solidFill>
               </a14:hiddenFill>
             </a:ext>
             <a:ext uri="{91240B29-F687-4F45-9708-019B960494DF}">
-              <a14:hiddenLine xmlns="" xmlns:a14="http://schemas.microsoft.com/office/drawing/2010/main" w="9525" cap="flat">
+              <a14:hiddenLine xmlns:a14="http://schemas.microsoft.com/office/drawing/2010/main" w="9525" cap="flat">
                 <a:solidFill>
                   <a:srgbClr val="000000"/>
                 </a:solidFill>
@@ -6010,7 +6011,7 @@
     </p:spTree>
     <p:extLst>
       <p:ext uri="{BB962C8B-B14F-4D97-AF65-F5344CB8AC3E}">
-        <p14:creationId xmlns="" xmlns:p14="http://schemas.microsoft.com/office/powerpoint/2010/main" val="1572447198"/>
+        <p14:creationId xmlns:p14="http://schemas.microsoft.com/office/powerpoint/2010/main" val="1572447198"/>
       </p:ext>
     </p:extLst>
   </p:cSld>
@@ -6059,14 +6060,14 @@
           <a:noFill/>
           <a:extLst>
             <a:ext uri="{909E8E84-426E-40DD-AFC4-6F175D3DCCD1}">
-              <a14:hiddenFill xmlns="" xmlns:a14="http://schemas.microsoft.com/office/drawing/2010/main">
+              <a14:hiddenFill xmlns:a14="http://schemas.microsoft.com/office/drawing/2010/main">
                 <a:solidFill>
                   <a:srgbClr val="FFFFFF"/>
                 </a:solidFill>
               </a14:hiddenFill>
             </a:ext>
             <a:ext uri="{91240B29-F687-4F45-9708-019B960494DF}">
-              <a14:hiddenLine xmlns="" xmlns:a14="http://schemas.microsoft.com/office/drawing/2010/main" w="9525">
+              <a14:hiddenLine xmlns:a14="http://schemas.microsoft.com/office/drawing/2010/main" w="9525">
                 <a:solidFill>
                   <a:srgbClr val="000000"/>
                 </a:solidFill>
@@ -6218,14 +6219,14 @@
           <a:noFill/>
           <a:extLst>
             <a:ext uri="{909E8E84-426E-40DD-AFC4-6F175D3DCCD1}">
-              <a14:hiddenFill xmlns="" xmlns:a14="http://schemas.microsoft.com/office/drawing/2010/main">
+              <a14:hiddenFill xmlns:a14="http://schemas.microsoft.com/office/drawing/2010/main">
                 <a:solidFill>
                   <a:srgbClr val="FFFFFF"/>
                 </a:solidFill>
               </a14:hiddenFill>
             </a:ext>
             <a:ext uri="{91240B29-F687-4F45-9708-019B960494DF}">
-              <a14:hiddenLine xmlns="" xmlns:a14="http://schemas.microsoft.com/office/drawing/2010/main" w="9525" cap="flat">
+              <a14:hiddenLine xmlns:a14="http://schemas.microsoft.com/office/drawing/2010/main" w="9525" cap="flat">
                 <a:solidFill>
                   <a:srgbClr val="000000"/>
                 </a:solidFill>
@@ -6247,7 +6248,7 @@
     </p:spTree>
     <p:extLst>
       <p:ext uri="{BB962C8B-B14F-4D97-AF65-F5344CB8AC3E}">
-        <p14:creationId xmlns="" xmlns:p14="http://schemas.microsoft.com/office/powerpoint/2010/main" val="3289801017"/>
+        <p14:creationId xmlns:p14="http://schemas.microsoft.com/office/powerpoint/2010/main" val="3289801017"/>
       </p:ext>
     </p:extLst>
   </p:cSld>
@@ -6296,14 +6297,14 @@
           <a:noFill/>
           <a:extLst>
             <a:ext uri="{909E8E84-426E-40DD-AFC4-6F175D3DCCD1}">
-              <a14:hiddenFill xmlns="" xmlns:a14="http://schemas.microsoft.com/office/drawing/2010/main">
+              <a14:hiddenFill xmlns:a14="http://schemas.microsoft.com/office/drawing/2010/main">
                 <a:solidFill>
                   <a:srgbClr val="FFFFFF"/>
                 </a:solidFill>
               </a14:hiddenFill>
             </a:ext>
             <a:ext uri="{91240B29-F687-4F45-9708-019B960494DF}">
-              <a14:hiddenLine xmlns="" xmlns:a14="http://schemas.microsoft.com/office/drawing/2010/main" w="9525">
+              <a14:hiddenLine xmlns:a14="http://schemas.microsoft.com/office/drawing/2010/main" w="9525">
                 <a:solidFill>
                   <a:srgbClr val="000000"/>
                 </a:solidFill>
@@ -6463,14 +6464,14 @@
           <a:noFill/>
           <a:extLst>
             <a:ext uri="{909E8E84-426E-40DD-AFC4-6F175D3DCCD1}">
-              <a14:hiddenFill xmlns="" xmlns:a14="http://schemas.microsoft.com/office/drawing/2010/main">
+              <a14:hiddenFill xmlns:a14="http://schemas.microsoft.com/office/drawing/2010/main">
                 <a:solidFill>
                   <a:srgbClr val="FFFFFF"/>
                 </a:solidFill>
               </a14:hiddenFill>
             </a:ext>
             <a:ext uri="{91240B29-F687-4F45-9708-019B960494DF}">
-              <a14:hiddenLine xmlns="" xmlns:a14="http://schemas.microsoft.com/office/drawing/2010/main" w="9525" cap="flat">
+              <a14:hiddenLine xmlns:a14="http://schemas.microsoft.com/office/drawing/2010/main" w="9525" cap="flat">
                 <a:solidFill>
                   <a:srgbClr val="000000"/>
                 </a:solidFill>
@@ -6492,7 +6493,7 @@
     </p:spTree>
     <p:extLst>
       <p:ext uri="{BB962C8B-B14F-4D97-AF65-F5344CB8AC3E}">
-        <p14:creationId xmlns="" xmlns:p14="http://schemas.microsoft.com/office/powerpoint/2010/main" val="1830563766"/>
+        <p14:creationId xmlns:p14="http://schemas.microsoft.com/office/powerpoint/2010/main" val="1830563766"/>
       </p:ext>
     </p:extLst>
   </p:cSld>
@@ -6541,14 +6542,14 @@
           <a:noFill/>
           <a:extLst>
             <a:ext uri="{909E8E84-426E-40DD-AFC4-6F175D3DCCD1}">
-              <a14:hiddenFill xmlns="" xmlns:a14="http://schemas.microsoft.com/office/drawing/2010/main">
+              <a14:hiddenFill xmlns:a14="http://schemas.microsoft.com/office/drawing/2010/main">
                 <a:solidFill>
                   <a:srgbClr val="FFFFFF"/>
                 </a:solidFill>
               </a14:hiddenFill>
             </a:ext>
             <a:ext uri="{91240B29-F687-4F45-9708-019B960494DF}">
-              <a14:hiddenLine xmlns="" xmlns:a14="http://schemas.microsoft.com/office/drawing/2010/main" w="9525">
+              <a14:hiddenLine xmlns:a14="http://schemas.microsoft.com/office/drawing/2010/main" w="9525">
                 <a:solidFill>
                   <a:srgbClr val="000000"/>
                 </a:solidFill>
@@ -6708,14 +6709,14 @@
           <a:noFill/>
           <a:extLst>
             <a:ext uri="{909E8E84-426E-40DD-AFC4-6F175D3DCCD1}">
-              <a14:hiddenFill xmlns="" xmlns:a14="http://schemas.microsoft.com/office/drawing/2010/main">
+              <a14:hiddenFill xmlns:a14="http://schemas.microsoft.com/office/drawing/2010/main">
                 <a:solidFill>
                   <a:srgbClr val="FFFFFF"/>
                 </a:solidFill>
               </a14:hiddenFill>
             </a:ext>
             <a:ext uri="{91240B29-F687-4F45-9708-019B960494DF}">
-              <a14:hiddenLine xmlns="" xmlns:a14="http://schemas.microsoft.com/office/drawing/2010/main" w="9525" cap="flat">
+              <a14:hiddenLine xmlns:a14="http://schemas.microsoft.com/office/drawing/2010/main" w="9525" cap="flat">
                 <a:solidFill>
                   <a:srgbClr val="000000"/>
                 </a:solidFill>
@@ -6737,7 +6738,7 @@
     </p:spTree>
     <p:extLst>
       <p:ext uri="{BB962C8B-B14F-4D97-AF65-F5344CB8AC3E}">
-        <p14:creationId xmlns="" xmlns:p14="http://schemas.microsoft.com/office/powerpoint/2010/main" val="2843463725"/>
+        <p14:creationId xmlns:p14="http://schemas.microsoft.com/office/powerpoint/2010/main" val="2843463725"/>
       </p:ext>
     </p:extLst>
   </p:cSld>
@@ -6786,14 +6787,14 @@
           <a:noFill/>
           <a:extLst>
             <a:ext uri="{909E8E84-426E-40DD-AFC4-6F175D3DCCD1}">
-              <a14:hiddenFill xmlns="" xmlns:a14="http://schemas.microsoft.com/office/drawing/2010/main">
+              <a14:hiddenFill xmlns:a14="http://schemas.microsoft.com/office/drawing/2010/main">
                 <a:solidFill>
                   <a:srgbClr val="FFFFFF"/>
                 </a:solidFill>
               </a14:hiddenFill>
             </a:ext>
             <a:ext uri="{91240B29-F687-4F45-9708-019B960494DF}">
-              <a14:hiddenLine xmlns="" xmlns:a14="http://schemas.microsoft.com/office/drawing/2010/main" w="9525">
+              <a14:hiddenLine xmlns:a14="http://schemas.microsoft.com/office/drawing/2010/main" w="9525">
                 <a:solidFill>
                   <a:srgbClr val="000000"/>
                 </a:solidFill>
@@ -6953,14 +6954,14 @@
           <a:noFill/>
           <a:extLst>
             <a:ext uri="{909E8E84-426E-40DD-AFC4-6F175D3DCCD1}">
-              <a14:hiddenFill xmlns="" xmlns:a14="http://schemas.microsoft.com/office/drawing/2010/main">
+              <a14:hiddenFill xmlns:a14="http://schemas.microsoft.com/office/drawing/2010/main">
                 <a:solidFill>
                   <a:srgbClr val="FFFFFF"/>
                 </a:solidFill>
               </a14:hiddenFill>
             </a:ext>
             <a:ext uri="{91240B29-F687-4F45-9708-019B960494DF}">
-              <a14:hiddenLine xmlns="" xmlns:a14="http://schemas.microsoft.com/office/drawing/2010/main" w="9525" cap="flat">
+              <a14:hiddenLine xmlns:a14="http://schemas.microsoft.com/office/drawing/2010/main" w="9525" cap="flat">
                 <a:solidFill>
                   <a:srgbClr val="000000"/>
                 </a:solidFill>
@@ -6982,7 +6983,7 @@
     </p:spTree>
     <p:extLst>
       <p:ext uri="{BB962C8B-B14F-4D97-AF65-F5344CB8AC3E}">
-        <p14:creationId xmlns="" xmlns:p14="http://schemas.microsoft.com/office/powerpoint/2010/main" val="4241341848"/>
+        <p14:creationId xmlns:p14="http://schemas.microsoft.com/office/powerpoint/2010/main" val="4241341848"/>
       </p:ext>
     </p:extLst>
   </p:cSld>
@@ -7031,14 +7032,14 @@
           <a:noFill/>
           <a:extLst>
             <a:ext uri="{909E8E84-426E-40DD-AFC4-6F175D3DCCD1}">
-              <a14:hiddenFill xmlns="" xmlns:a14="http://schemas.microsoft.com/office/drawing/2010/main">
+              <a14:hiddenFill xmlns:a14="http://schemas.microsoft.com/office/drawing/2010/main">
                 <a:solidFill>
                   <a:srgbClr val="FFFFFF"/>
                 </a:solidFill>
               </a14:hiddenFill>
             </a:ext>
             <a:ext uri="{91240B29-F687-4F45-9708-019B960494DF}">
-              <a14:hiddenLine xmlns="" xmlns:a14="http://schemas.microsoft.com/office/drawing/2010/main" w="9525">
+              <a14:hiddenLine xmlns:a14="http://schemas.microsoft.com/office/drawing/2010/main" w="9525">
                 <a:solidFill>
                   <a:srgbClr val="000000"/>
                 </a:solidFill>
@@ -7198,14 +7199,14 @@
           <a:noFill/>
           <a:extLst>
             <a:ext uri="{909E8E84-426E-40DD-AFC4-6F175D3DCCD1}">
-              <a14:hiddenFill xmlns="" xmlns:a14="http://schemas.microsoft.com/office/drawing/2010/main">
+              <a14:hiddenFill xmlns:a14="http://schemas.microsoft.com/office/drawing/2010/main">
                 <a:solidFill>
                   <a:srgbClr val="FFFFFF"/>
                 </a:solidFill>
               </a14:hiddenFill>
             </a:ext>
             <a:ext uri="{91240B29-F687-4F45-9708-019B960494DF}">
-              <a14:hiddenLine xmlns="" xmlns:a14="http://schemas.microsoft.com/office/drawing/2010/main" w="9525" cap="flat">
+              <a14:hiddenLine xmlns:a14="http://schemas.microsoft.com/office/drawing/2010/main" w="9525" cap="flat">
                 <a:solidFill>
                   <a:srgbClr val="000000"/>
                 </a:solidFill>
@@ -7227,7 +7228,7 @@
     </p:spTree>
     <p:extLst>
       <p:ext uri="{BB962C8B-B14F-4D97-AF65-F5344CB8AC3E}">
-        <p14:creationId xmlns="" xmlns:p14="http://schemas.microsoft.com/office/powerpoint/2010/main" val="4114389580"/>
+        <p14:creationId xmlns:p14="http://schemas.microsoft.com/office/powerpoint/2010/main" val="4114389580"/>
       </p:ext>
     </p:extLst>
   </p:cSld>
@@ -7276,14 +7277,14 @@
           <a:noFill/>
           <a:extLst>
             <a:ext uri="{909E8E84-426E-40DD-AFC4-6F175D3DCCD1}">
-              <a14:hiddenFill xmlns="" xmlns:a14="http://schemas.microsoft.com/office/drawing/2010/main">
+              <a14:hiddenFill xmlns:a14="http://schemas.microsoft.com/office/drawing/2010/main">
                 <a:solidFill>
                   <a:srgbClr val="FFFFFF"/>
                 </a:solidFill>
               </a14:hiddenFill>
             </a:ext>
             <a:ext uri="{91240B29-F687-4F45-9708-019B960494DF}">
-              <a14:hiddenLine xmlns="" xmlns:a14="http://schemas.microsoft.com/office/drawing/2010/main" w="9525">
+              <a14:hiddenLine xmlns:a14="http://schemas.microsoft.com/office/drawing/2010/main" w="9525">
                 <a:solidFill>
                   <a:srgbClr val="000000"/>
                 </a:solidFill>
@@ -7443,14 +7444,14 @@
           <a:noFill/>
           <a:extLst>
             <a:ext uri="{909E8E84-426E-40DD-AFC4-6F175D3DCCD1}">
-              <a14:hiddenFill xmlns="" xmlns:a14="http://schemas.microsoft.com/office/drawing/2010/main">
+              <a14:hiddenFill xmlns:a14="http://schemas.microsoft.com/office/drawing/2010/main">
                 <a:solidFill>
                   <a:srgbClr val="FFFFFF"/>
                 </a:solidFill>
               </a14:hiddenFill>
             </a:ext>
             <a:ext uri="{91240B29-F687-4F45-9708-019B960494DF}">
-              <a14:hiddenLine xmlns="" xmlns:a14="http://schemas.microsoft.com/office/drawing/2010/main" w="9525" cap="flat">
+              <a14:hiddenLine xmlns:a14="http://schemas.microsoft.com/office/drawing/2010/main" w="9525" cap="flat">
                 <a:solidFill>
                   <a:srgbClr val="000000"/>
                 </a:solidFill>
@@ -7472,7 +7473,7 @@
     </p:spTree>
     <p:extLst>
       <p:ext uri="{BB962C8B-B14F-4D97-AF65-F5344CB8AC3E}">
-        <p14:creationId xmlns="" xmlns:p14="http://schemas.microsoft.com/office/powerpoint/2010/main" val="2238464156"/>
+        <p14:creationId xmlns:p14="http://schemas.microsoft.com/office/powerpoint/2010/main" val="2238464156"/>
       </p:ext>
     </p:extLst>
   </p:cSld>
@@ -7521,14 +7522,14 @@
           <a:noFill/>
           <a:extLst>
             <a:ext uri="{909E8E84-426E-40DD-AFC4-6F175D3DCCD1}">
-              <a14:hiddenFill xmlns="" xmlns:a14="http://schemas.microsoft.com/office/drawing/2010/main">
+              <a14:hiddenFill xmlns:a14="http://schemas.microsoft.com/office/drawing/2010/main">
                 <a:solidFill>
                   <a:srgbClr val="FFFFFF"/>
                 </a:solidFill>
               </a14:hiddenFill>
             </a:ext>
             <a:ext uri="{91240B29-F687-4F45-9708-019B960494DF}">
-              <a14:hiddenLine xmlns="" xmlns:a14="http://schemas.microsoft.com/office/drawing/2010/main" w="9525">
+              <a14:hiddenLine xmlns:a14="http://schemas.microsoft.com/office/drawing/2010/main" w="9525">
                 <a:solidFill>
                   <a:srgbClr val="000000"/>
                 </a:solidFill>
@@ -7688,14 +7689,14 @@
           <a:noFill/>
           <a:extLst>
             <a:ext uri="{909E8E84-426E-40DD-AFC4-6F175D3DCCD1}">
-              <a14:hiddenFill xmlns="" xmlns:a14="http://schemas.microsoft.com/office/drawing/2010/main">
+              <a14:hiddenFill xmlns:a14="http://schemas.microsoft.com/office/drawing/2010/main">
                 <a:solidFill>
                   <a:srgbClr val="FFFFFF"/>
                 </a:solidFill>
               </a14:hiddenFill>
             </a:ext>
             <a:ext uri="{91240B29-F687-4F45-9708-019B960494DF}">
-              <a14:hiddenLine xmlns="" xmlns:a14="http://schemas.microsoft.com/office/drawing/2010/main" w="9525" cap="flat">
+              <a14:hiddenLine xmlns:a14="http://schemas.microsoft.com/office/drawing/2010/main" w="9525" cap="flat">
                 <a:solidFill>
                   <a:srgbClr val="000000"/>
                 </a:solidFill>
@@ -7717,7 +7718,7 @@
     </p:spTree>
     <p:extLst>
       <p:ext uri="{BB962C8B-B14F-4D97-AF65-F5344CB8AC3E}">
-        <p14:creationId xmlns="" xmlns:p14="http://schemas.microsoft.com/office/powerpoint/2010/main" val="2524234034"/>
+        <p14:creationId xmlns:p14="http://schemas.microsoft.com/office/powerpoint/2010/main" val="2524234034"/>
       </p:ext>
     </p:extLst>
   </p:cSld>
@@ -7766,14 +7767,14 @@
           <a:noFill/>
           <a:extLst>
             <a:ext uri="{909E8E84-426E-40DD-AFC4-6F175D3DCCD1}">
-              <a14:hiddenFill xmlns="" xmlns:a14="http://schemas.microsoft.com/office/drawing/2010/main">
+              <a14:hiddenFill xmlns:a14="http://schemas.microsoft.com/office/drawing/2010/main">
                 <a:solidFill>
                   <a:srgbClr val="FFFFFF"/>
                 </a:solidFill>
               </a14:hiddenFill>
             </a:ext>
             <a:ext uri="{91240B29-F687-4F45-9708-019B960494DF}">
-              <a14:hiddenLine xmlns="" xmlns:a14="http://schemas.microsoft.com/office/drawing/2010/main" w="9525">
+              <a14:hiddenLine xmlns:a14="http://schemas.microsoft.com/office/drawing/2010/main" w="9525">
                 <a:solidFill>
                   <a:srgbClr val="000000"/>
                 </a:solidFill>
@@ -7933,14 +7934,14 @@
           <a:noFill/>
           <a:extLst>
             <a:ext uri="{909E8E84-426E-40DD-AFC4-6F175D3DCCD1}">
-              <a14:hiddenFill xmlns="" xmlns:a14="http://schemas.microsoft.com/office/drawing/2010/main">
+              <a14:hiddenFill xmlns:a14="http://schemas.microsoft.com/office/drawing/2010/main">
                 <a:solidFill>
                   <a:srgbClr val="FFFFFF"/>
                 </a:solidFill>
               </a14:hiddenFill>
             </a:ext>
             <a:ext uri="{91240B29-F687-4F45-9708-019B960494DF}">
-              <a14:hiddenLine xmlns="" xmlns:a14="http://schemas.microsoft.com/office/drawing/2010/main" w="9525" cap="flat">
+              <a14:hiddenLine xmlns:a14="http://schemas.microsoft.com/office/drawing/2010/main" w="9525" cap="flat">
                 <a:solidFill>
                   <a:srgbClr val="000000"/>
                 </a:solidFill>
@@ -7962,7 +7963,7 @@
     </p:spTree>
     <p:extLst>
       <p:ext uri="{BB962C8B-B14F-4D97-AF65-F5344CB8AC3E}">
-        <p14:creationId xmlns="" xmlns:p14="http://schemas.microsoft.com/office/powerpoint/2010/main" val="2117264921"/>
+        <p14:creationId xmlns:p14="http://schemas.microsoft.com/office/powerpoint/2010/main" val="2117264921"/>
       </p:ext>
     </p:extLst>
   </p:cSld>
@@ -8011,14 +8012,14 @@
           <a:noFill/>
           <a:extLst>
             <a:ext uri="{909E8E84-426E-40DD-AFC4-6F175D3DCCD1}">
-              <a14:hiddenFill xmlns="" xmlns:a14="http://schemas.microsoft.com/office/drawing/2010/main">
+              <a14:hiddenFill xmlns:a14="http://schemas.microsoft.com/office/drawing/2010/main">
                 <a:solidFill>
                   <a:srgbClr val="FFFFFF"/>
                 </a:solidFill>
               </a14:hiddenFill>
             </a:ext>
             <a:ext uri="{91240B29-F687-4F45-9708-019B960494DF}">
-              <a14:hiddenLine xmlns="" xmlns:a14="http://schemas.microsoft.com/office/drawing/2010/main" w="9525">
+              <a14:hiddenLine xmlns:a14="http://schemas.microsoft.com/office/drawing/2010/main" w="9525">
                 <a:solidFill>
                   <a:srgbClr val="000000"/>
                 </a:solidFill>
@@ -8178,14 +8179,14 @@
           <a:noFill/>
           <a:extLst>
             <a:ext uri="{909E8E84-426E-40DD-AFC4-6F175D3DCCD1}">
-              <a14:hiddenFill xmlns="" xmlns:a14="http://schemas.microsoft.com/office/drawing/2010/main">
+              <a14:hiddenFill xmlns:a14="http://schemas.microsoft.com/office/drawing/2010/main">
                 <a:solidFill>
                   <a:srgbClr val="FFFFFF"/>
                 </a:solidFill>
               </a14:hiddenFill>
             </a:ext>
             <a:ext uri="{91240B29-F687-4F45-9708-019B960494DF}">
-              <a14:hiddenLine xmlns="" xmlns:a14="http://schemas.microsoft.com/office/drawing/2010/main" w="9525" cap="flat">
+              <a14:hiddenLine xmlns:a14="http://schemas.microsoft.com/office/drawing/2010/main" w="9525" cap="flat">
                 <a:solidFill>
                   <a:srgbClr val="000000"/>
                 </a:solidFill>
@@ -8207,7 +8208,7 @@
     </p:spTree>
     <p:extLst>
       <p:ext uri="{BB962C8B-B14F-4D97-AF65-F5344CB8AC3E}">
-        <p14:creationId xmlns="" xmlns:p14="http://schemas.microsoft.com/office/powerpoint/2010/main" val="2555417059"/>
+        <p14:creationId xmlns:p14="http://schemas.microsoft.com/office/powerpoint/2010/main" val="2555417059"/>
       </p:ext>
     </p:extLst>
   </p:cSld>
@@ -8256,14 +8257,14 @@
           <a:noFill/>
           <a:extLst>
             <a:ext uri="{909E8E84-426E-40DD-AFC4-6F175D3DCCD1}">
-              <a14:hiddenFill xmlns="" xmlns:a14="http://schemas.microsoft.com/office/drawing/2010/main">
+              <a14:hiddenFill xmlns:a14="http://schemas.microsoft.com/office/drawing/2010/main">
                 <a:solidFill>
                   <a:srgbClr val="FFFFFF"/>
                 </a:solidFill>
               </a14:hiddenFill>
             </a:ext>
             <a:ext uri="{91240B29-F687-4F45-9708-019B960494DF}">
-              <a14:hiddenLine xmlns="" xmlns:a14="http://schemas.microsoft.com/office/drawing/2010/main" w="9525">
+              <a14:hiddenLine xmlns:a14="http://schemas.microsoft.com/office/drawing/2010/main" w="9525">
                 <a:solidFill>
                   <a:srgbClr val="000000"/>
                 </a:solidFill>
@@ -8423,14 +8424,14 @@
           <a:noFill/>
           <a:extLst>
             <a:ext uri="{909E8E84-426E-40DD-AFC4-6F175D3DCCD1}">
-              <a14:hiddenFill xmlns="" xmlns:a14="http://schemas.microsoft.com/office/drawing/2010/main">
+              <a14:hiddenFill xmlns:a14="http://schemas.microsoft.com/office/drawing/2010/main">
                 <a:solidFill>
                   <a:srgbClr val="FFFFFF"/>
                 </a:solidFill>
               </a14:hiddenFill>
             </a:ext>
             <a:ext uri="{91240B29-F687-4F45-9708-019B960494DF}">
-              <a14:hiddenLine xmlns="" xmlns:a14="http://schemas.microsoft.com/office/drawing/2010/main" w="9525" cap="flat">
+              <a14:hiddenLine xmlns:a14="http://schemas.microsoft.com/office/drawing/2010/main" w="9525" cap="flat">
                 <a:solidFill>
                   <a:srgbClr val="000000"/>
                 </a:solidFill>
@@ -8452,7 +8453,7 @@
     </p:spTree>
     <p:extLst>
       <p:ext uri="{BB962C8B-B14F-4D97-AF65-F5344CB8AC3E}">
-        <p14:creationId xmlns="" xmlns:p14="http://schemas.microsoft.com/office/powerpoint/2010/main" val="3113630414"/>
+        <p14:creationId xmlns:p14="http://schemas.microsoft.com/office/powerpoint/2010/main" val="3113630414"/>
       </p:ext>
     </p:extLst>
   </p:cSld>
@@ -8501,14 +8502,14 @@
           <a:noFill/>
           <a:extLst>
             <a:ext uri="{909E8E84-426E-40DD-AFC4-6F175D3DCCD1}">
-              <a14:hiddenFill xmlns="" xmlns:a14="http://schemas.microsoft.com/office/drawing/2010/main">
+              <a14:hiddenFill xmlns:a14="http://schemas.microsoft.com/office/drawing/2010/main">
                 <a:solidFill>
                   <a:srgbClr val="FFFFFF"/>
                 </a:solidFill>
               </a14:hiddenFill>
             </a:ext>
             <a:ext uri="{91240B29-F687-4F45-9708-019B960494DF}">
-              <a14:hiddenLine xmlns="" xmlns:a14="http://schemas.microsoft.com/office/drawing/2010/main" w="9525">
+              <a14:hiddenLine xmlns:a14="http://schemas.microsoft.com/office/drawing/2010/main" w="9525">
                 <a:solidFill>
                   <a:srgbClr val="000000"/>
                 </a:solidFill>
@@ -8660,14 +8661,14 @@
           <a:noFill/>
           <a:extLst>
             <a:ext uri="{909E8E84-426E-40DD-AFC4-6F175D3DCCD1}">
-              <a14:hiddenFill xmlns="" xmlns:a14="http://schemas.microsoft.com/office/drawing/2010/main">
+              <a14:hiddenFill xmlns:a14="http://schemas.microsoft.com/office/drawing/2010/main">
                 <a:solidFill>
                   <a:srgbClr val="FFFFFF"/>
                 </a:solidFill>
               </a14:hiddenFill>
             </a:ext>
             <a:ext uri="{91240B29-F687-4F45-9708-019B960494DF}">
-              <a14:hiddenLine xmlns="" xmlns:a14="http://schemas.microsoft.com/office/drawing/2010/main" w="9525" cap="flat">
+              <a14:hiddenLine xmlns:a14="http://schemas.microsoft.com/office/drawing/2010/main" w="9525" cap="flat">
                 <a:solidFill>
                   <a:srgbClr val="000000"/>
                 </a:solidFill>
@@ -8689,7 +8690,7 @@
     </p:spTree>
     <p:extLst>
       <p:ext uri="{BB962C8B-B14F-4D97-AF65-F5344CB8AC3E}">
-        <p14:creationId xmlns="" xmlns:p14="http://schemas.microsoft.com/office/powerpoint/2010/main" val="74526388"/>
+        <p14:creationId xmlns:p14="http://schemas.microsoft.com/office/powerpoint/2010/main" val="74526388"/>
       </p:ext>
     </p:extLst>
   </p:cSld>
@@ -8738,14 +8739,14 @@
           <a:noFill/>
           <a:extLst>
             <a:ext uri="{909E8E84-426E-40DD-AFC4-6F175D3DCCD1}">
-              <a14:hiddenFill xmlns="" xmlns:a14="http://schemas.microsoft.com/office/drawing/2010/main">
+              <a14:hiddenFill xmlns:a14="http://schemas.microsoft.com/office/drawing/2010/main">
                 <a:solidFill>
                   <a:srgbClr val="FFFFFF"/>
                 </a:solidFill>
               </a14:hiddenFill>
             </a:ext>
             <a:ext uri="{91240B29-F687-4F45-9708-019B960494DF}">
-              <a14:hiddenLine xmlns="" xmlns:a14="http://schemas.microsoft.com/office/drawing/2010/main" w="9525">
+              <a14:hiddenLine xmlns:a14="http://schemas.microsoft.com/office/drawing/2010/main" w="9525">
                 <a:solidFill>
                   <a:srgbClr val="000000"/>
                 </a:solidFill>
@@ -8905,14 +8906,14 @@
           <a:noFill/>
           <a:extLst>
             <a:ext uri="{909E8E84-426E-40DD-AFC4-6F175D3DCCD1}">
-              <a14:hiddenFill xmlns="" xmlns:a14="http://schemas.microsoft.com/office/drawing/2010/main">
+              <a14:hiddenFill xmlns:a14="http://schemas.microsoft.com/office/drawing/2010/main">
                 <a:solidFill>
                   <a:srgbClr val="FFFFFF"/>
                 </a:solidFill>
               </a14:hiddenFill>
             </a:ext>
             <a:ext uri="{91240B29-F687-4F45-9708-019B960494DF}">
-              <a14:hiddenLine xmlns="" xmlns:a14="http://schemas.microsoft.com/office/drawing/2010/main" w="9525" cap="flat">
+              <a14:hiddenLine xmlns:a14="http://schemas.microsoft.com/office/drawing/2010/main" w="9525" cap="flat">
                 <a:solidFill>
                   <a:srgbClr val="000000"/>
                 </a:solidFill>
@@ -8934,7 +8935,7 @@
     </p:spTree>
     <p:extLst>
       <p:ext uri="{BB962C8B-B14F-4D97-AF65-F5344CB8AC3E}">
-        <p14:creationId xmlns="" xmlns:p14="http://schemas.microsoft.com/office/powerpoint/2010/main" val="665840422"/>
+        <p14:creationId xmlns:p14="http://schemas.microsoft.com/office/powerpoint/2010/main" val="665840422"/>
       </p:ext>
     </p:extLst>
   </p:cSld>
@@ -8983,14 +8984,14 @@
           <a:noFill/>
           <a:extLst>
             <a:ext uri="{909E8E84-426E-40DD-AFC4-6F175D3DCCD1}">
-              <a14:hiddenFill xmlns="" xmlns:a14="http://schemas.microsoft.com/office/drawing/2010/main">
+              <a14:hiddenFill xmlns:a14="http://schemas.microsoft.com/office/drawing/2010/main">
                 <a:solidFill>
                   <a:srgbClr val="FFFFFF"/>
                 </a:solidFill>
               </a14:hiddenFill>
             </a:ext>
             <a:ext uri="{91240B29-F687-4F45-9708-019B960494DF}">
-              <a14:hiddenLine xmlns="" xmlns:a14="http://schemas.microsoft.com/office/drawing/2010/main" w="9525">
+              <a14:hiddenLine xmlns:a14="http://schemas.microsoft.com/office/drawing/2010/main" w="9525">
                 <a:solidFill>
                   <a:srgbClr val="000000"/>
                 </a:solidFill>
@@ -9142,14 +9143,14 @@
           <a:noFill/>
           <a:extLst>
             <a:ext uri="{909E8E84-426E-40DD-AFC4-6F175D3DCCD1}">
-              <a14:hiddenFill xmlns="" xmlns:a14="http://schemas.microsoft.com/office/drawing/2010/main">
+              <a14:hiddenFill xmlns:a14="http://schemas.microsoft.com/office/drawing/2010/main">
                 <a:solidFill>
                   <a:srgbClr val="FFFFFF"/>
                 </a:solidFill>
               </a14:hiddenFill>
             </a:ext>
             <a:ext uri="{91240B29-F687-4F45-9708-019B960494DF}">
-              <a14:hiddenLine xmlns="" xmlns:a14="http://schemas.microsoft.com/office/drawing/2010/main" w="9525" cap="flat">
+              <a14:hiddenLine xmlns:a14="http://schemas.microsoft.com/office/drawing/2010/main" w="9525" cap="flat">
                 <a:solidFill>
                   <a:srgbClr val="000000"/>
                 </a:solidFill>
@@ -9171,7 +9172,7 @@
     </p:spTree>
     <p:extLst>
       <p:ext uri="{BB962C8B-B14F-4D97-AF65-F5344CB8AC3E}">
-        <p14:creationId xmlns="" xmlns:p14="http://schemas.microsoft.com/office/powerpoint/2010/main" val="2765476796"/>
+        <p14:creationId xmlns:p14="http://schemas.microsoft.com/office/powerpoint/2010/main" val="2765476796"/>
       </p:ext>
     </p:extLst>
   </p:cSld>
@@ -9220,14 +9221,14 @@
           <a:noFill/>
           <a:extLst>
             <a:ext uri="{909E8E84-426E-40DD-AFC4-6F175D3DCCD1}">
-              <a14:hiddenFill xmlns="" xmlns:a14="http://schemas.microsoft.com/office/drawing/2010/main">
+              <a14:hiddenFill xmlns:a14="http://schemas.microsoft.com/office/drawing/2010/main">
                 <a:solidFill>
                   <a:srgbClr val="FFFFFF"/>
                 </a:solidFill>
               </a14:hiddenFill>
             </a:ext>
             <a:ext uri="{91240B29-F687-4F45-9708-019B960494DF}">
-              <a14:hiddenLine xmlns="" xmlns:a14="http://schemas.microsoft.com/office/drawing/2010/main" w="9525">
+              <a14:hiddenLine xmlns:a14="http://schemas.microsoft.com/office/drawing/2010/main" w="9525">
                 <a:solidFill>
                   <a:srgbClr val="000000"/>
                 </a:solidFill>
@@ -9379,14 +9380,14 @@
           <a:noFill/>
           <a:extLst>
             <a:ext uri="{909E8E84-426E-40DD-AFC4-6F175D3DCCD1}">
-              <a14:hiddenFill xmlns="" xmlns:a14="http://schemas.microsoft.com/office/drawing/2010/main">
+              <a14:hiddenFill xmlns:a14="http://schemas.microsoft.com/office/drawing/2010/main">
                 <a:solidFill>
                   <a:srgbClr val="FFFFFF"/>
                 </a:solidFill>
               </a14:hiddenFill>
             </a:ext>
             <a:ext uri="{91240B29-F687-4F45-9708-019B960494DF}">
-              <a14:hiddenLine xmlns="" xmlns:a14="http://schemas.microsoft.com/office/drawing/2010/main" w="9525" cap="flat">
+              <a14:hiddenLine xmlns:a14="http://schemas.microsoft.com/office/drawing/2010/main" w="9525" cap="flat">
                 <a:solidFill>
                   <a:srgbClr val="000000"/>
                 </a:solidFill>
@@ -9408,7 +9409,7 @@
     </p:spTree>
     <p:extLst>
       <p:ext uri="{BB962C8B-B14F-4D97-AF65-F5344CB8AC3E}">
-        <p14:creationId xmlns="" xmlns:p14="http://schemas.microsoft.com/office/powerpoint/2010/main" val="1636912253"/>
+        <p14:creationId xmlns:p14="http://schemas.microsoft.com/office/powerpoint/2010/main" val="1636912253"/>
       </p:ext>
     </p:extLst>
   </p:cSld>
@@ -9457,14 +9458,14 @@
           <a:noFill/>
           <a:extLst>
             <a:ext uri="{909E8E84-426E-40DD-AFC4-6F175D3DCCD1}">
-              <a14:hiddenFill xmlns="" xmlns:a14="http://schemas.microsoft.com/office/drawing/2010/main">
+              <a14:hiddenFill xmlns:a14="http://schemas.microsoft.com/office/drawing/2010/main">
                 <a:solidFill>
                   <a:srgbClr val="FFFFFF"/>
                 </a:solidFill>
               </a14:hiddenFill>
             </a:ext>
             <a:ext uri="{91240B29-F687-4F45-9708-019B960494DF}">
-              <a14:hiddenLine xmlns="" xmlns:a14="http://schemas.microsoft.com/office/drawing/2010/main" w="9525">
+              <a14:hiddenLine xmlns:a14="http://schemas.microsoft.com/office/drawing/2010/main" w="9525">
                 <a:solidFill>
                   <a:srgbClr val="000000"/>
                 </a:solidFill>
@@ -9616,14 +9617,14 @@
           <a:noFill/>
           <a:extLst>
             <a:ext uri="{909E8E84-426E-40DD-AFC4-6F175D3DCCD1}">
-              <a14:hiddenFill xmlns="" xmlns:a14="http://schemas.microsoft.com/office/drawing/2010/main">
+              <a14:hiddenFill xmlns:a14="http://schemas.microsoft.com/office/drawing/2010/main">
                 <a:solidFill>
                   <a:srgbClr val="FFFFFF"/>
                 </a:solidFill>
               </a14:hiddenFill>
             </a:ext>
             <a:ext uri="{91240B29-F687-4F45-9708-019B960494DF}">
-              <a14:hiddenLine xmlns="" xmlns:a14="http://schemas.microsoft.com/office/drawing/2010/main" w="9525" cap="flat">
+              <a14:hiddenLine xmlns:a14="http://schemas.microsoft.com/office/drawing/2010/main" w="9525" cap="flat">
                 <a:solidFill>
                   <a:srgbClr val="000000"/>
                 </a:solidFill>
@@ -9645,7 +9646,7 @@
     </p:spTree>
     <p:extLst>
       <p:ext uri="{BB962C8B-B14F-4D97-AF65-F5344CB8AC3E}">
-        <p14:creationId xmlns="" xmlns:p14="http://schemas.microsoft.com/office/powerpoint/2010/main" val="2868211273"/>
+        <p14:creationId xmlns:p14="http://schemas.microsoft.com/office/powerpoint/2010/main" val="2868211273"/>
       </p:ext>
     </p:extLst>
   </p:cSld>
@@ -9694,14 +9695,14 @@
           <a:noFill/>
           <a:extLst>
             <a:ext uri="{909E8E84-426E-40DD-AFC4-6F175D3DCCD1}">
-              <a14:hiddenFill xmlns="" xmlns:a14="http://schemas.microsoft.com/office/drawing/2010/main">
+              <a14:hiddenFill xmlns:a14="http://schemas.microsoft.com/office/drawing/2010/main">
                 <a:solidFill>
                   <a:srgbClr val="FFFFFF"/>
                 </a:solidFill>
               </a14:hiddenFill>
             </a:ext>
             <a:ext uri="{91240B29-F687-4F45-9708-019B960494DF}">
-              <a14:hiddenLine xmlns="" xmlns:a14="http://schemas.microsoft.com/office/drawing/2010/main" w="9525">
+              <a14:hiddenLine xmlns:a14="http://schemas.microsoft.com/office/drawing/2010/main" w="9525">
                 <a:solidFill>
                   <a:srgbClr val="000000"/>
                 </a:solidFill>
@@ -9861,14 +9862,14 @@
           <a:noFill/>
           <a:extLst>
             <a:ext uri="{909E8E84-426E-40DD-AFC4-6F175D3DCCD1}">
-              <a14:hiddenFill xmlns="" xmlns:a14="http://schemas.microsoft.com/office/drawing/2010/main">
+              <a14:hiddenFill xmlns:a14="http://schemas.microsoft.com/office/drawing/2010/main">
                 <a:solidFill>
                   <a:srgbClr val="FFFFFF"/>
                 </a:solidFill>
               </a14:hiddenFill>
             </a:ext>
             <a:ext uri="{91240B29-F687-4F45-9708-019B960494DF}">
-              <a14:hiddenLine xmlns="" xmlns:a14="http://schemas.microsoft.com/office/drawing/2010/main" w="9525" cap="flat">
+              <a14:hiddenLine xmlns:a14="http://schemas.microsoft.com/office/drawing/2010/main" w="9525" cap="flat">
                 <a:solidFill>
                   <a:srgbClr val="000000"/>
                 </a:solidFill>
@@ -9890,7 +9891,7 @@
     </p:spTree>
     <p:extLst>
       <p:ext uri="{BB962C8B-B14F-4D97-AF65-F5344CB8AC3E}">
-        <p14:creationId xmlns="" xmlns:p14="http://schemas.microsoft.com/office/powerpoint/2010/main" val="3505244136"/>
+        <p14:creationId xmlns:p14="http://schemas.microsoft.com/office/powerpoint/2010/main" val="3505244136"/>
       </p:ext>
     </p:extLst>
   </p:cSld>
@@ -9939,14 +9940,14 @@
           <a:noFill/>
           <a:extLst>
             <a:ext uri="{909E8E84-426E-40DD-AFC4-6F175D3DCCD1}">
-              <a14:hiddenFill xmlns="" xmlns:a14="http://schemas.microsoft.com/office/drawing/2010/main">
+              <a14:hiddenFill xmlns:a14="http://schemas.microsoft.com/office/drawing/2010/main">
                 <a:solidFill>
                   <a:srgbClr val="FFFFFF"/>
                 </a:solidFill>
               </a14:hiddenFill>
             </a:ext>
             <a:ext uri="{91240B29-F687-4F45-9708-019B960494DF}">
-              <a14:hiddenLine xmlns="" xmlns:a14="http://schemas.microsoft.com/office/drawing/2010/main" w="9525">
+              <a14:hiddenLine xmlns:a14="http://schemas.microsoft.com/office/drawing/2010/main" w="9525">
                 <a:solidFill>
                   <a:srgbClr val="000000"/>
                 </a:solidFill>
@@ -10106,14 +10107,14 @@
           <a:noFill/>
           <a:extLst>
             <a:ext uri="{909E8E84-426E-40DD-AFC4-6F175D3DCCD1}">
-              <a14:hiddenFill xmlns="" xmlns:a14="http://schemas.microsoft.com/office/drawing/2010/main">
+              <a14:hiddenFill xmlns:a14="http://schemas.microsoft.com/office/drawing/2010/main">
                 <a:solidFill>
                   <a:srgbClr val="FFFFFF"/>
                 </a:solidFill>
               </a14:hiddenFill>
             </a:ext>
             <a:ext uri="{91240B29-F687-4F45-9708-019B960494DF}">
-              <a14:hiddenLine xmlns="" xmlns:a14="http://schemas.microsoft.com/office/drawing/2010/main" w="9525" cap="flat">
+              <a14:hiddenLine xmlns:a14="http://schemas.microsoft.com/office/drawing/2010/main" w="9525" cap="flat">
                 <a:solidFill>
                   <a:srgbClr val="000000"/>
                 </a:solidFill>
@@ -10135,7 +10136,7 @@
     </p:spTree>
     <p:extLst>
       <p:ext uri="{BB962C8B-B14F-4D97-AF65-F5344CB8AC3E}">
-        <p14:creationId xmlns="" xmlns:p14="http://schemas.microsoft.com/office/powerpoint/2010/main" val="3697574690"/>
+        <p14:creationId xmlns:p14="http://schemas.microsoft.com/office/powerpoint/2010/main" val="3697574690"/>
       </p:ext>
     </p:extLst>
   </p:cSld>
@@ -10184,14 +10185,14 @@
           <a:noFill/>
           <a:extLst>
             <a:ext uri="{909E8E84-426E-40DD-AFC4-6F175D3DCCD1}">
-              <a14:hiddenFill xmlns="" xmlns:a14="http://schemas.microsoft.com/office/drawing/2010/main">
+              <a14:hiddenFill xmlns:a14="http://schemas.microsoft.com/office/drawing/2010/main">
                 <a:solidFill>
                   <a:srgbClr val="FFFFFF"/>
                 </a:solidFill>
               </a14:hiddenFill>
             </a:ext>
             <a:ext uri="{91240B29-F687-4F45-9708-019B960494DF}">
-              <a14:hiddenLine xmlns="" xmlns:a14="http://schemas.microsoft.com/office/drawing/2010/main" w="9525">
+              <a14:hiddenLine xmlns:a14="http://schemas.microsoft.com/office/drawing/2010/main" w="9525">
                 <a:solidFill>
                   <a:srgbClr val="000000"/>
                 </a:solidFill>
@@ -10351,14 +10352,14 @@
           <a:noFill/>
           <a:extLst>
             <a:ext uri="{909E8E84-426E-40DD-AFC4-6F175D3DCCD1}">
-              <a14:hiddenFill xmlns="" xmlns:a14="http://schemas.microsoft.com/office/drawing/2010/main">
+              <a14:hiddenFill xmlns:a14="http://schemas.microsoft.com/office/drawing/2010/main">
                 <a:solidFill>
                   <a:srgbClr val="FFFFFF"/>
                 </a:solidFill>
               </a14:hiddenFill>
             </a:ext>
             <a:ext uri="{91240B29-F687-4F45-9708-019B960494DF}">
-              <a14:hiddenLine xmlns="" xmlns:a14="http://schemas.microsoft.com/office/drawing/2010/main" w="9525" cap="flat">
+              <a14:hiddenLine xmlns:a14="http://schemas.microsoft.com/office/drawing/2010/main" w="9525" cap="flat">
                 <a:solidFill>
                   <a:srgbClr val="000000"/>
                 </a:solidFill>
@@ -10380,7 +10381,7 @@
     </p:spTree>
     <p:extLst>
       <p:ext uri="{BB962C8B-B14F-4D97-AF65-F5344CB8AC3E}">
-        <p14:creationId xmlns="" xmlns:p14="http://schemas.microsoft.com/office/powerpoint/2010/main" val="4030109082"/>
+        <p14:creationId xmlns:p14="http://schemas.microsoft.com/office/powerpoint/2010/main" val="4030109082"/>
       </p:ext>
     </p:extLst>
   </p:cSld>
@@ -10429,14 +10430,14 @@
           <a:noFill/>
           <a:extLst>
             <a:ext uri="{909E8E84-426E-40DD-AFC4-6F175D3DCCD1}">
-              <a14:hiddenFill xmlns="" xmlns:a14="http://schemas.microsoft.com/office/drawing/2010/main">
+              <a14:hiddenFill xmlns:a14="http://schemas.microsoft.com/office/drawing/2010/main">
                 <a:solidFill>
                   <a:srgbClr val="FFFFFF"/>
                 </a:solidFill>
               </a14:hiddenFill>
             </a:ext>
             <a:ext uri="{91240B29-F687-4F45-9708-019B960494DF}">
-              <a14:hiddenLine xmlns="" xmlns:a14="http://schemas.microsoft.com/office/drawing/2010/main" w="9525">
+              <a14:hiddenLine xmlns:a14="http://schemas.microsoft.com/office/drawing/2010/main" w="9525">
                 <a:solidFill>
                   <a:srgbClr val="000000"/>
                 </a:solidFill>
@@ -10596,14 +10597,14 @@
           <a:noFill/>
           <a:extLst>
             <a:ext uri="{909E8E84-426E-40DD-AFC4-6F175D3DCCD1}">
-              <a14:hiddenFill xmlns="" xmlns:a14="http://schemas.microsoft.com/office/drawing/2010/main">
+              <a14:hiddenFill xmlns:a14="http://schemas.microsoft.com/office/drawing/2010/main">
                 <a:solidFill>
                   <a:srgbClr val="FFFFFF"/>
                 </a:solidFill>
               </a14:hiddenFill>
             </a:ext>
             <a:ext uri="{91240B29-F687-4F45-9708-019B960494DF}">
-              <a14:hiddenLine xmlns="" xmlns:a14="http://schemas.microsoft.com/office/drawing/2010/main" w="9525" cap="flat">
+              <a14:hiddenLine xmlns:a14="http://schemas.microsoft.com/office/drawing/2010/main" w="9525" cap="flat">
                 <a:solidFill>
                   <a:srgbClr val="000000"/>
                 </a:solidFill>
@@ -10625,7 +10626,7 @@
     </p:spTree>
     <p:extLst>
       <p:ext uri="{BB962C8B-B14F-4D97-AF65-F5344CB8AC3E}">
-        <p14:creationId xmlns="" xmlns:p14="http://schemas.microsoft.com/office/powerpoint/2010/main" val="3509698816"/>
+        <p14:creationId xmlns:p14="http://schemas.microsoft.com/office/powerpoint/2010/main" val="3509698816"/>
       </p:ext>
     </p:extLst>
   </p:cSld>
@@ -10674,14 +10675,14 @@
           <a:noFill/>
           <a:extLst>
             <a:ext uri="{909E8E84-426E-40DD-AFC4-6F175D3DCCD1}">
-              <a14:hiddenFill xmlns="" xmlns:a14="http://schemas.microsoft.com/office/drawing/2010/main">
+              <a14:hiddenFill xmlns:a14="http://schemas.microsoft.com/office/drawing/2010/main">
                 <a:solidFill>
                   <a:srgbClr val="FFFFFF"/>
                 </a:solidFill>
               </a14:hiddenFill>
             </a:ext>
             <a:ext uri="{91240B29-F687-4F45-9708-019B960494DF}">
-              <a14:hiddenLine xmlns="" xmlns:a14="http://schemas.microsoft.com/office/drawing/2010/main" w="9525">
+              <a14:hiddenLine xmlns:a14="http://schemas.microsoft.com/office/drawing/2010/main" w="9525">
                 <a:solidFill>
                   <a:srgbClr val="000000"/>
                 </a:solidFill>
@@ -10841,14 +10842,14 @@
           <a:noFill/>
           <a:extLst>
             <a:ext uri="{909E8E84-426E-40DD-AFC4-6F175D3DCCD1}">
-              <a14:hiddenFill xmlns="" xmlns:a14="http://schemas.microsoft.com/office/drawing/2010/main">
+              <a14:hiddenFill xmlns:a14="http://schemas.microsoft.com/office/drawing/2010/main">
                 <a:solidFill>
                   <a:srgbClr val="FFFFFF"/>
                 </a:solidFill>
               </a14:hiddenFill>
             </a:ext>
             <a:ext uri="{91240B29-F687-4F45-9708-019B960494DF}">
-              <a14:hiddenLine xmlns="" xmlns:a14="http://schemas.microsoft.com/office/drawing/2010/main" w="9525" cap="flat">
+              <a14:hiddenLine xmlns:a14="http://schemas.microsoft.com/office/drawing/2010/main" w="9525" cap="flat">
                 <a:solidFill>
                   <a:srgbClr val="000000"/>
                 </a:solidFill>
@@ -10870,7 +10871,7 @@
     </p:spTree>
     <p:extLst>
       <p:ext uri="{BB962C8B-B14F-4D97-AF65-F5344CB8AC3E}">
-        <p14:creationId xmlns="" xmlns:p14="http://schemas.microsoft.com/office/powerpoint/2010/main" val="542719394"/>
+        <p14:creationId xmlns:p14="http://schemas.microsoft.com/office/powerpoint/2010/main" val="542719394"/>
       </p:ext>
     </p:extLst>
   </p:cSld>
@@ -10997,7 +10998,7 @@
     </p:spTree>
     <p:extLst>
       <p:ext uri="{BB962C8B-B14F-4D97-AF65-F5344CB8AC3E}">
-        <p14:creationId xmlns="" xmlns:p14="http://schemas.microsoft.com/office/powerpoint/2010/main" val="810910187"/>
+        <p14:creationId xmlns:p14="http://schemas.microsoft.com/office/powerpoint/2010/main" val="810910187"/>
       </p:ext>
     </p:extLst>
   </p:cSld>
@@ -11134,7 +11135,7 @@
               <a:pPr>
                 <a:defRPr/>
               </a:pPr>
-              <a:t>12/5/2017</a:t>
+              <a:t>12/6/2017</a:t>
             </a:fld>
             <a:endParaRPr lang="en-US" altLang="en-US"/>
           </a:p>
@@ -11220,7 +11221,7 @@
     </p:spTree>
     <p:extLst>
       <p:ext uri="{BB962C8B-B14F-4D97-AF65-F5344CB8AC3E}">
-        <p14:creationId xmlns="" xmlns:p14="http://schemas.microsoft.com/office/powerpoint/2010/main" val="1213315901"/>
+        <p14:creationId xmlns:p14="http://schemas.microsoft.com/office/powerpoint/2010/main" val="1213315901"/>
       </p:ext>
     </p:extLst>
   </p:cSld>
@@ -11367,7 +11368,7 @@
               <a:pPr>
                 <a:defRPr/>
               </a:pPr>
-              <a:t>12/5/2017</a:t>
+              <a:t>12/6/2017</a:t>
             </a:fld>
             <a:endParaRPr lang="en-US" altLang="en-US"/>
           </a:p>
@@ -11453,7 +11454,7 @@
     </p:spTree>
     <p:extLst>
       <p:ext uri="{BB962C8B-B14F-4D97-AF65-F5344CB8AC3E}">
-        <p14:creationId xmlns="" xmlns:p14="http://schemas.microsoft.com/office/powerpoint/2010/main" val="2932581188"/>
+        <p14:creationId xmlns:p14="http://schemas.microsoft.com/office/powerpoint/2010/main" val="2932581188"/>
       </p:ext>
     </p:extLst>
   </p:cSld>
@@ -11558,7 +11559,7 @@
     </p:spTree>
     <p:extLst>
       <p:ext uri="{BB962C8B-B14F-4D97-AF65-F5344CB8AC3E}">
-        <p14:creationId xmlns="" xmlns:p14="http://schemas.microsoft.com/office/powerpoint/2010/main" val="515729589"/>
+        <p14:creationId xmlns:p14="http://schemas.microsoft.com/office/powerpoint/2010/main" val="515729589"/>
       </p:ext>
     </p:extLst>
   </p:cSld>
@@ -11685,7 +11686,7 @@
     </p:spTree>
     <p:extLst>
       <p:ext uri="{BB962C8B-B14F-4D97-AF65-F5344CB8AC3E}">
-        <p14:creationId xmlns="" xmlns:p14="http://schemas.microsoft.com/office/powerpoint/2010/main" val="241929328"/>
+        <p14:creationId xmlns:p14="http://schemas.microsoft.com/office/powerpoint/2010/main" val="241929328"/>
       </p:ext>
     </p:extLst>
   </p:cSld>
@@ -11852,7 +11853,7 @@
     </p:spTree>
     <p:extLst>
       <p:ext uri="{BB962C8B-B14F-4D97-AF65-F5344CB8AC3E}">
-        <p14:creationId xmlns="" xmlns:p14="http://schemas.microsoft.com/office/powerpoint/2010/main" val="559744579"/>
+        <p14:creationId xmlns:p14="http://schemas.microsoft.com/office/powerpoint/2010/main" val="559744579"/>
       </p:ext>
     </p:extLst>
   </p:cSld>
@@ -12154,7 +12155,7 @@
     </p:spTree>
     <p:extLst>
       <p:ext uri="{BB962C8B-B14F-4D97-AF65-F5344CB8AC3E}">
-        <p14:creationId xmlns="" xmlns:p14="http://schemas.microsoft.com/office/powerpoint/2010/main" val="1899464662"/>
+        <p14:creationId xmlns:p14="http://schemas.microsoft.com/office/powerpoint/2010/main" val="1899464662"/>
       </p:ext>
     </p:extLst>
   </p:cSld>
@@ -12239,7 +12240,7 @@
               <a:pPr>
                 <a:defRPr/>
               </a:pPr>
-              <a:t>12/5/2017</a:t>
+              <a:t>12/6/2017</a:t>
             </a:fld>
             <a:endParaRPr lang="en-US" altLang="en-US"/>
           </a:p>
@@ -12325,7 +12326,7 @@
     </p:spTree>
     <p:extLst>
       <p:ext uri="{BB962C8B-B14F-4D97-AF65-F5344CB8AC3E}">
-        <p14:creationId xmlns="" xmlns:p14="http://schemas.microsoft.com/office/powerpoint/2010/main" val="1496828499"/>
+        <p14:creationId xmlns:p14="http://schemas.microsoft.com/office/powerpoint/2010/main" val="1496828499"/>
       </p:ext>
     </p:extLst>
   </p:cSld>
@@ -12387,7 +12388,7 @@
               <a:pPr>
                 <a:defRPr/>
               </a:pPr>
-              <a:t>12/5/2017</a:t>
+              <a:t>12/6/2017</a:t>
             </a:fld>
             <a:endParaRPr lang="en-US" altLang="en-US"/>
           </a:p>
@@ -12473,7 +12474,7 @@
     </p:spTree>
     <p:extLst>
       <p:ext uri="{BB962C8B-B14F-4D97-AF65-F5344CB8AC3E}">
-        <p14:creationId xmlns="" xmlns:p14="http://schemas.microsoft.com/office/powerpoint/2010/main" val="701818772"/>
+        <p14:creationId xmlns:p14="http://schemas.microsoft.com/office/powerpoint/2010/main" val="701818772"/>
       </p:ext>
     </p:extLst>
   </p:cSld>
@@ -12717,7 +12718,7 @@
               <a:pPr>
                 <a:defRPr/>
               </a:pPr>
-              <a:t>12/5/2017</a:t>
+              <a:t>12/6/2017</a:t>
             </a:fld>
             <a:endParaRPr lang="en-US" altLang="en-US"/>
           </a:p>
@@ -12803,7 +12804,7 @@
     </p:spTree>
     <p:extLst>
       <p:ext uri="{BB962C8B-B14F-4D97-AF65-F5344CB8AC3E}">
-        <p14:creationId xmlns="" xmlns:p14="http://schemas.microsoft.com/office/powerpoint/2010/main" val="1359973162"/>
+        <p14:creationId xmlns:p14="http://schemas.microsoft.com/office/powerpoint/2010/main" val="1359973162"/>
       </p:ext>
     </p:extLst>
   </p:cSld>
@@ -13024,7 +13025,7 @@
               <a:pPr>
                 <a:defRPr/>
               </a:pPr>
-              <a:t>12/5/2017</a:t>
+              <a:t>12/6/2017</a:t>
             </a:fld>
             <a:endParaRPr lang="en-US" altLang="en-US"/>
           </a:p>
@@ -13110,7 +13111,7 @@
     </p:spTree>
     <p:extLst>
       <p:ext uri="{BB962C8B-B14F-4D97-AF65-F5344CB8AC3E}">
-        <p14:creationId xmlns="" xmlns:p14="http://schemas.microsoft.com/office/powerpoint/2010/main" val="497736420"/>
+        <p14:creationId xmlns:p14="http://schemas.microsoft.com/office/powerpoint/2010/main" val="497736420"/>
       </p:ext>
     </p:extLst>
   </p:cSld>
@@ -13169,14 +13170,14 @@
           </a:ln>
           <a:extLst>
             <a:ext uri="{909E8E84-426E-40DD-AFC4-6F175D3DCCD1}">
-              <a14:hiddenFill xmlns="" xmlns:a14="http://schemas.microsoft.com/office/drawing/2010/main">
+              <a14:hiddenFill xmlns:a14="http://schemas.microsoft.com/office/drawing/2010/main">
                 <a:solidFill>
                   <a:srgbClr val="FFFFFF"/>
                 </a:solidFill>
               </a14:hiddenFill>
             </a:ext>
             <a:ext uri="{91240B29-F687-4F45-9708-019B960494DF}">
-              <a14:hiddenLine xmlns="" xmlns:a14="http://schemas.microsoft.com/office/drawing/2010/main" w="9525">
+              <a14:hiddenLine xmlns:a14="http://schemas.microsoft.com/office/drawing/2010/main" w="9525">
                 <a:solidFill>
                   <a:srgbClr val="000000"/>
                 </a:solidFill>
@@ -13227,14 +13228,14 @@
           </a:ln>
           <a:extLst>
             <a:ext uri="{909E8E84-426E-40DD-AFC4-6F175D3DCCD1}">
-              <a14:hiddenFill xmlns="" xmlns:a14="http://schemas.microsoft.com/office/drawing/2010/main">
+              <a14:hiddenFill xmlns:a14="http://schemas.microsoft.com/office/drawing/2010/main">
                 <a:solidFill>
                   <a:srgbClr val="FFFFFF"/>
                 </a:solidFill>
               </a14:hiddenFill>
             </a:ext>
             <a:ext uri="{91240B29-F687-4F45-9708-019B960494DF}">
-              <a14:hiddenLine xmlns="" xmlns:a14="http://schemas.microsoft.com/office/drawing/2010/main" w="9525">
+              <a14:hiddenLine xmlns:a14="http://schemas.microsoft.com/office/drawing/2010/main" w="9525">
                 <a:solidFill>
                   <a:srgbClr val="000000"/>
                 </a:solidFill>
@@ -13737,14 +13738,14 @@
           </a:ln>
           <a:extLst>
             <a:ext uri="{909E8E84-426E-40DD-AFC4-6F175D3DCCD1}">
-              <a14:hiddenFill xmlns="" xmlns:a14="http://schemas.microsoft.com/office/drawing/2010/main">
+              <a14:hiddenFill xmlns:a14="http://schemas.microsoft.com/office/drawing/2010/main">
                 <a:solidFill>
                   <a:srgbClr val="FFFFFF"/>
                 </a:solidFill>
               </a14:hiddenFill>
             </a:ext>
             <a:ext uri="{91240B29-F687-4F45-9708-019B960494DF}">
-              <a14:hiddenLine xmlns="" xmlns:a14="http://schemas.microsoft.com/office/drawing/2010/main" w="9525">
+              <a14:hiddenLine xmlns:a14="http://schemas.microsoft.com/office/drawing/2010/main" w="9525">
                 <a:solidFill>
                   <a:srgbClr val="000000"/>
                 </a:solidFill>
@@ -14098,14 +14099,14 @@
           </a:ln>
           <a:extLst>
             <a:ext uri="{909E8E84-426E-40DD-AFC4-6F175D3DCCD1}">
-              <a14:hiddenFill xmlns="" xmlns:a14="http://schemas.microsoft.com/office/drawing/2010/main">
+              <a14:hiddenFill xmlns:a14="http://schemas.microsoft.com/office/drawing/2010/main">
                 <a:solidFill>
                   <a:srgbClr val="FFFFFF"/>
                 </a:solidFill>
               </a14:hiddenFill>
             </a:ext>
             <a:ext uri="{91240B29-F687-4F45-9708-019B960494DF}">
-              <a14:hiddenLine xmlns="" xmlns:a14="http://schemas.microsoft.com/office/drawing/2010/main" w="9525">
+              <a14:hiddenLine xmlns:a14="http://schemas.microsoft.com/office/drawing/2010/main" w="9525">
                 <a:solidFill>
                   <a:srgbClr val="000000"/>
                 </a:solidFill>
@@ -14463,14 +14464,14 @@
           </a:ln>
           <a:extLst>
             <a:ext uri="{909E8E84-426E-40DD-AFC4-6F175D3DCCD1}">
-              <a14:hiddenFill xmlns="" xmlns:a14="http://schemas.microsoft.com/office/drawing/2010/main">
+              <a14:hiddenFill xmlns:a14="http://schemas.microsoft.com/office/drawing/2010/main">
                 <a:solidFill>
                   <a:srgbClr val="FFFFFF"/>
                 </a:solidFill>
               </a14:hiddenFill>
             </a:ext>
             <a:ext uri="{91240B29-F687-4F45-9708-019B960494DF}">
-              <a14:hiddenLine xmlns="" xmlns:a14="http://schemas.microsoft.com/office/drawing/2010/main" w="9525">
+              <a14:hiddenLine xmlns:a14="http://schemas.microsoft.com/office/drawing/2010/main" w="9525">
                 <a:solidFill>
                   <a:srgbClr val="000000"/>
                 </a:solidFill>
@@ -15459,7 +15460,7 @@
           <a:blip r:embed="rId3" cstate="print">
             <a:extLst>
               <a:ext uri="{28A0092B-C50C-407E-A947-70E740481C1C}">
-                <a14:useLocalDpi xmlns="" xmlns:a14="http://schemas.microsoft.com/office/drawing/2010/main" val="0"/>
+                <a14:useLocalDpi xmlns:a14="http://schemas.microsoft.com/office/drawing/2010/main" val="0"/>
               </a:ext>
             </a:extLst>
           </a:blip>
@@ -15482,14 +15483,14 @@
           </a:ln>
           <a:extLst>
             <a:ext uri="{909E8E84-426E-40DD-AFC4-6F175D3DCCD1}">
-              <a14:hiddenFill xmlns="" xmlns:a14="http://schemas.microsoft.com/office/drawing/2010/main">
+              <a14:hiddenFill xmlns:a14="http://schemas.microsoft.com/office/drawing/2010/main">
                 <a:solidFill>
                   <a:srgbClr val="FFFFFF"/>
                 </a:solidFill>
               </a14:hiddenFill>
             </a:ext>
             <a:ext uri="{91240B29-F687-4F45-9708-019B960494DF}">
-              <a14:hiddenLine xmlns="" xmlns:a14="http://schemas.microsoft.com/office/drawing/2010/main" w="9525">
+              <a14:hiddenLine xmlns:a14="http://schemas.microsoft.com/office/drawing/2010/main" w="9525">
                 <a:solidFill>
                   <a:srgbClr val="000000"/>
                 </a:solidFill>
@@ -15672,7 +15673,7 @@
           <a:blip r:embed="rId3" cstate="print">
             <a:extLst>
               <a:ext uri="{28A0092B-C50C-407E-A947-70E740481C1C}">
-                <a14:useLocalDpi xmlns="" xmlns:a14="http://schemas.microsoft.com/office/drawing/2010/main" val="0"/>
+                <a14:useLocalDpi xmlns:a14="http://schemas.microsoft.com/office/drawing/2010/main" val="0"/>
               </a:ext>
             </a:extLst>
           </a:blip>
@@ -15695,14 +15696,14 @@
           </a:ln>
           <a:extLst>
             <a:ext uri="{909E8E84-426E-40DD-AFC4-6F175D3DCCD1}">
-              <a14:hiddenFill xmlns="" xmlns:a14="http://schemas.microsoft.com/office/drawing/2010/main">
+              <a14:hiddenFill xmlns:a14="http://schemas.microsoft.com/office/drawing/2010/main">
                 <a:solidFill>
                   <a:srgbClr val="FFFFFF"/>
                 </a:solidFill>
               </a14:hiddenFill>
             </a:ext>
             <a:ext uri="{91240B29-F687-4F45-9708-019B960494DF}">
-              <a14:hiddenLine xmlns="" xmlns:a14="http://schemas.microsoft.com/office/drawing/2010/main" w="9525">
+              <a14:hiddenLine xmlns:a14="http://schemas.microsoft.com/office/drawing/2010/main" w="9525">
                 <a:solidFill>
                   <a:srgbClr val="000000"/>
                 </a:solidFill>
@@ -15827,7 +15828,7 @@
           <a:blip r:embed="rId3" cstate="print">
             <a:extLst>
               <a:ext uri="{28A0092B-C50C-407E-A947-70E740481C1C}">
-                <a14:useLocalDpi xmlns="" xmlns:a14="http://schemas.microsoft.com/office/drawing/2010/main" val="0"/>
+                <a14:useLocalDpi xmlns:a14="http://schemas.microsoft.com/office/drawing/2010/main" val="0"/>
               </a:ext>
             </a:extLst>
           </a:blip>
@@ -15850,14 +15851,14 @@
           </a:ln>
           <a:extLst>
             <a:ext uri="{909E8E84-426E-40DD-AFC4-6F175D3DCCD1}">
-              <a14:hiddenFill xmlns="" xmlns:a14="http://schemas.microsoft.com/office/drawing/2010/main">
+              <a14:hiddenFill xmlns:a14="http://schemas.microsoft.com/office/drawing/2010/main">
                 <a:solidFill>
                   <a:srgbClr val="FFFFFF"/>
                 </a:solidFill>
               </a14:hiddenFill>
             </a:ext>
             <a:ext uri="{91240B29-F687-4F45-9708-019B960494DF}">
-              <a14:hiddenLine xmlns="" xmlns:a14="http://schemas.microsoft.com/office/drawing/2010/main" w="9525">
+              <a14:hiddenLine xmlns:a14="http://schemas.microsoft.com/office/drawing/2010/main" w="9525">
                 <a:solidFill>
                   <a:srgbClr val="000000"/>
                 </a:solidFill>
@@ -16040,7 +16041,7 @@
           <a:blip r:embed="rId3" cstate="print">
             <a:extLst>
               <a:ext uri="{28A0092B-C50C-407E-A947-70E740481C1C}">
-                <a14:useLocalDpi xmlns="" xmlns:a14="http://schemas.microsoft.com/office/drawing/2010/main" val="0"/>
+                <a14:useLocalDpi xmlns:a14="http://schemas.microsoft.com/office/drawing/2010/main" val="0"/>
               </a:ext>
             </a:extLst>
           </a:blip>
@@ -16063,14 +16064,14 @@
           </a:ln>
           <a:extLst>
             <a:ext uri="{909E8E84-426E-40DD-AFC4-6F175D3DCCD1}">
-              <a14:hiddenFill xmlns="" xmlns:a14="http://schemas.microsoft.com/office/drawing/2010/main">
+              <a14:hiddenFill xmlns:a14="http://schemas.microsoft.com/office/drawing/2010/main">
                 <a:solidFill>
                   <a:srgbClr val="FFFFFF"/>
                 </a:solidFill>
               </a14:hiddenFill>
             </a:ext>
             <a:ext uri="{91240B29-F687-4F45-9708-019B960494DF}">
-              <a14:hiddenLine xmlns="" xmlns:a14="http://schemas.microsoft.com/office/drawing/2010/main" w="9525">
+              <a14:hiddenLine xmlns:a14="http://schemas.microsoft.com/office/drawing/2010/main" w="9525">
                 <a:solidFill>
                   <a:srgbClr val="000000"/>
                 </a:solidFill>
@@ -16195,7 +16196,7 @@
           <a:blip r:embed="rId3" cstate="print">
             <a:extLst>
               <a:ext uri="{28A0092B-C50C-407E-A947-70E740481C1C}">
-                <a14:useLocalDpi xmlns="" xmlns:a14="http://schemas.microsoft.com/office/drawing/2010/main" val="0"/>
+                <a14:useLocalDpi xmlns:a14="http://schemas.microsoft.com/office/drawing/2010/main" val="0"/>
               </a:ext>
             </a:extLst>
           </a:blip>
@@ -16218,14 +16219,14 @@
           </a:ln>
           <a:extLst>
             <a:ext uri="{909E8E84-426E-40DD-AFC4-6F175D3DCCD1}">
-              <a14:hiddenFill xmlns="" xmlns:a14="http://schemas.microsoft.com/office/drawing/2010/main">
+              <a14:hiddenFill xmlns:a14="http://schemas.microsoft.com/office/drawing/2010/main">
                 <a:solidFill>
                   <a:srgbClr val="FFFFFF"/>
                 </a:solidFill>
               </a14:hiddenFill>
             </a:ext>
             <a:ext uri="{91240B29-F687-4F45-9708-019B960494DF}">
-              <a14:hiddenLine xmlns="" xmlns:a14="http://schemas.microsoft.com/office/drawing/2010/main" w="9525">
+              <a14:hiddenLine xmlns:a14="http://schemas.microsoft.com/office/drawing/2010/main" w="9525">
                 <a:solidFill>
                   <a:srgbClr val="000000"/>
                 </a:solidFill>
@@ -16633,7 +16634,7 @@
           <a:blip r:embed="rId3" cstate="print">
             <a:extLst>
               <a:ext uri="{28A0092B-C50C-407E-A947-70E740481C1C}">
-                <a14:useLocalDpi xmlns="" xmlns:a14="http://schemas.microsoft.com/office/drawing/2010/main" val="0"/>
+                <a14:useLocalDpi xmlns:a14="http://schemas.microsoft.com/office/drawing/2010/main" val="0"/>
               </a:ext>
             </a:extLst>
           </a:blip>
@@ -16656,14 +16657,14 @@
           </a:ln>
           <a:extLst>
             <a:ext uri="{909E8E84-426E-40DD-AFC4-6F175D3DCCD1}">
-              <a14:hiddenFill xmlns="" xmlns:a14="http://schemas.microsoft.com/office/drawing/2010/main">
+              <a14:hiddenFill xmlns:a14="http://schemas.microsoft.com/office/drawing/2010/main">
                 <a:solidFill>
                   <a:srgbClr val="FFFFFF"/>
                 </a:solidFill>
               </a14:hiddenFill>
             </a:ext>
             <a:ext uri="{91240B29-F687-4F45-9708-019B960494DF}">
-              <a14:hiddenLine xmlns="" xmlns:a14="http://schemas.microsoft.com/office/drawing/2010/main" w="9525">
+              <a14:hiddenLine xmlns:a14="http://schemas.microsoft.com/office/drawing/2010/main" w="9525">
                 <a:solidFill>
                   <a:srgbClr val="000000"/>
                 </a:solidFill>
@@ -16816,7 +16817,7 @@
           <a:blip r:embed="rId3" cstate="print">
             <a:extLst>
               <a:ext uri="{28A0092B-C50C-407E-A947-70E740481C1C}">
-                <a14:useLocalDpi xmlns="" xmlns:a14="http://schemas.microsoft.com/office/drawing/2010/main" val="0"/>
+                <a14:useLocalDpi xmlns:a14="http://schemas.microsoft.com/office/drawing/2010/main" val="0"/>
               </a:ext>
             </a:extLst>
           </a:blip>
@@ -16839,14 +16840,14 @@
           </a:ln>
           <a:extLst>
             <a:ext uri="{909E8E84-426E-40DD-AFC4-6F175D3DCCD1}">
-              <a14:hiddenFill xmlns="" xmlns:a14="http://schemas.microsoft.com/office/drawing/2010/main">
+              <a14:hiddenFill xmlns:a14="http://schemas.microsoft.com/office/drawing/2010/main">
                 <a:solidFill>
                   <a:srgbClr val="FFFFFF"/>
                 </a:solidFill>
               </a14:hiddenFill>
             </a:ext>
             <a:ext uri="{91240B29-F687-4F45-9708-019B960494DF}">
-              <a14:hiddenLine xmlns="" xmlns:a14="http://schemas.microsoft.com/office/drawing/2010/main" w="9525">
+              <a14:hiddenLine xmlns:a14="http://schemas.microsoft.com/office/drawing/2010/main" w="9525">
                 <a:solidFill>
                   <a:srgbClr val="000000"/>
                 </a:solidFill>
@@ -16997,11 +16998,7 @@
             <a:pPr lvl="1"/>
             <a:r>
               <a:rPr lang="en-US" dirty="0" smtClean="0"/>
-              <a:t>Website (XMAS</a:t>
-            </a:r>
-            <a:r>
-              <a:rPr lang="en-US" dirty="0" smtClean="0"/>
-              <a:t>)</a:t>
+              <a:t>Website (XMAS)</a:t>
             </a:r>
           </a:p>
           <a:p>
@@ -17167,7 +17164,7 @@
           <a:blip r:embed="rId3" cstate="print">
             <a:extLst>
               <a:ext uri="{28A0092B-C50C-407E-A947-70E740481C1C}">
-                <a14:useLocalDpi xmlns="" xmlns:a14="http://schemas.microsoft.com/office/drawing/2010/main" val="0"/>
+                <a14:useLocalDpi xmlns:a14="http://schemas.microsoft.com/office/drawing/2010/main" val="0"/>
               </a:ext>
             </a:extLst>
           </a:blip>
@@ -17190,14 +17187,14 @@
           </a:ln>
           <a:extLst>
             <a:ext uri="{909E8E84-426E-40DD-AFC4-6F175D3DCCD1}">
-              <a14:hiddenFill xmlns="" xmlns:a14="http://schemas.microsoft.com/office/drawing/2010/main">
+              <a14:hiddenFill xmlns:a14="http://schemas.microsoft.com/office/drawing/2010/main">
                 <a:solidFill>
                   <a:srgbClr val="FFFFFF"/>
                 </a:solidFill>
               </a14:hiddenFill>
             </a:ext>
             <a:ext uri="{91240B29-F687-4F45-9708-019B960494DF}">
-              <a14:hiddenLine xmlns="" xmlns:a14="http://schemas.microsoft.com/office/drawing/2010/main" w="9525">
+              <a14:hiddenLine xmlns:a14="http://schemas.microsoft.com/office/drawing/2010/main" w="9525">
                 <a:solidFill>
                   <a:srgbClr val="000000"/>
                 </a:solidFill>
@@ -17221,7 +17218,7 @@
           <a:blip r:embed="rId4" cstate="print">
             <a:extLst>
               <a:ext uri="{28A0092B-C50C-407E-A947-70E740481C1C}">
-                <a14:useLocalDpi xmlns="" xmlns:a14="http://schemas.microsoft.com/office/drawing/2010/main" val="0"/>
+                <a14:useLocalDpi xmlns:a14="http://schemas.microsoft.com/office/drawing/2010/main" val="0"/>
               </a:ext>
             </a:extLst>
           </a:blip>
@@ -17244,14 +17241,14 @@
           </a:ln>
           <a:extLst>
             <a:ext uri="{909E8E84-426E-40DD-AFC4-6F175D3DCCD1}">
-              <a14:hiddenFill xmlns="" xmlns:a14="http://schemas.microsoft.com/office/drawing/2010/main">
+              <a14:hiddenFill xmlns:a14="http://schemas.microsoft.com/office/drawing/2010/main">
                 <a:solidFill>
                   <a:srgbClr val="FFFFFF"/>
                 </a:solidFill>
               </a14:hiddenFill>
             </a:ext>
             <a:ext uri="{91240B29-F687-4F45-9708-019B960494DF}">
-              <a14:hiddenLine xmlns="" xmlns:a14="http://schemas.microsoft.com/office/drawing/2010/main" w="9525">
+              <a14:hiddenLine xmlns:a14="http://schemas.microsoft.com/office/drawing/2010/main" w="9525">
                 <a:solidFill>
                   <a:srgbClr val="000000"/>
                 </a:solidFill>
@@ -17467,7 +17464,7 @@
           <a:blip r:embed="rId3" cstate="print">
             <a:extLst>
               <a:ext uri="{28A0092B-C50C-407E-A947-70E740481C1C}">
-                <a14:useLocalDpi xmlns="" xmlns:a14="http://schemas.microsoft.com/office/drawing/2010/main" val="0"/>
+                <a14:useLocalDpi xmlns:a14="http://schemas.microsoft.com/office/drawing/2010/main" val="0"/>
               </a:ext>
             </a:extLst>
           </a:blip>
@@ -17490,14 +17487,14 @@
           </a:ln>
           <a:extLst>
             <a:ext uri="{909E8E84-426E-40DD-AFC4-6F175D3DCCD1}">
-              <a14:hiddenFill xmlns="" xmlns:a14="http://schemas.microsoft.com/office/drawing/2010/main">
+              <a14:hiddenFill xmlns:a14="http://schemas.microsoft.com/office/drawing/2010/main">
                 <a:solidFill>
                   <a:srgbClr val="FFFFFF"/>
                 </a:solidFill>
               </a14:hiddenFill>
             </a:ext>
             <a:ext uri="{91240B29-F687-4F45-9708-019B960494DF}">
-              <a14:hiddenLine xmlns="" xmlns:a14="http://schemas.microsoft.com/office/drawing/2010/main" w="9525">
+              <a14:hiddenLine xmlns:a14="http://schemas.microsoft.com/office/drawing/2010/main" w="9525">
                 <a:solidFill>
                   <a:srgbClr val="000000"/>
                 </a:solidFill>
@@ -17680,7 +17677,7 @@
           <a:blip r:embed="rId3" cstate="print">
             <a:extLst>
               <a:ext uri="{28A0092B-C50C-407E-A947-70E740481C1C}">
-                <a14:useLocalDpi xmlns="" xmlns:a14="http://schemas.microsoft.com/office/drawing/2010/main" val="0"/>
+                <a14:useLocalDpi xmlns:a14="http://schemas.microsoft.com/office/drawing/2010/main" val="0"/>
               </a:ext>
             </a:extLst>
           </a:blip>
@@ -17703,14 +17700,14 @@
           </a:ln>
           <a:extLst>
             <a:ext uri="{909E8E84-426E-40DD-AFC4-6F175D3DCCD1}">
-              <a14:hiddenFill xmlns="" xmlns:a14="http://schemas.microsoft.com/office/drawing/2010/main">
+              <a14:hiddenFill xmlns:a14="http://schemas.microsoft.com/office/drawing/2010/main">
                 <a:solidFill>
                   <a:srgbClr val="FFFFFF"/>
                 </a:solidFill>
               </a14:hiddenFill>
             </a:ext>
             <a:ext uri="{91240B29-F687-4F45-9708-019B960494DF}">
-              <a14:hiddenLine xmlns="" xmlns:a14="http://schemas.microsoft.com/office/drawing/2010/main" w="9525">
+              <a14:hiddenLine xmlns:a14="http://schemas.microsoft.com/office/drawing/2010/main" w="9525">
                 <a:solidFill>
                   <a:srgbClr val="000000"/>
                 </a:solidFill>
@@ -17926,7 +17923,7 @@
           <a:blip r:embed="rId3" cstate="print">
             <a:extLst>
               <a:ext uri="{28A0092B-C50C-407E-A947-70E740481C1C}">
-                <a14:useLocalDpi xmlns="" xmlns:a14="http://schemas.microsoft.com/office/drawing/2010/main" val="0"/>
+                <a14:useLocalDpi xmlns:a14="http://schemas.microsoft.com/office/drawing/2010/main" val="0"/>
               </a:ext>
             </a:extLst>
           </a:blip>
@@ -17949,14 +17946,14 @@
           </a:ln>
           <a:extLst>
             <a:ext uri="{909E8E84-426E-40DD-AFC4-6F175D3DCCD1}">
-              <a14:hiddenFill xmlns="" xmlns:a14="http://schemas.microsoft.com/office/drawing/2010/main">
+              <a14:hiddenFill xmlns:a14="http://schemas.microsoft.com/office/drawing/2010/main">
                 <a:solidFill>
                   <a:srgbClr val="FFFFFF"/>
                 </a:solidFill>
               </a14:hiddenFill>
             </a:ext>
             <a:ext uri="{91240B29-F687-4F45-9708-019B960494DF}">
-              <a14:hiddenLine xmlns="" xmlns:a14="http://schemas.microsoft.com/office/drawing/2010/main" w="9525">
+              <a14:hiddenLine xmlns:a14="http://schemas.microsoft.com/office/drawing/2010/main" w="9525">
                 <a:solidFill>
                   <a:srgbClr val="000000"/>
                 </a:solidFill>
@@ -18139,7 +18136,7 @@
           <a:blip r:embed="rId3" cstate="print">
             <a:extLst>
               <a:ext uri="{28A0092B-C50C-407E-A947-70E740481C1C}">
-                <a14:useLocalDpi xmlns="" xmlns:a14="http://schemas.microsoft.com/office/drawing/2010/main" val="0"/>
+                <a14:useLocalDpi xmlns:a14="http://schemas.microsoft.com/office/drawing/2010/main" val="0"/>
               </a:ext>
             </a:extLst>
           </a:blip>
@@ -18162,14 +18159,14 @@
           </a:ln>
           <a:extLst>
             <a:ext uri="{909E8E84-426E-40DD-AFC4-6F175D3DCCD1}">
-              <a14:hiddenFill xmlns="" xmlns:a14="http://schemas.microsoft.com/office/drawing/2010/main">
+              <a14:hiddenFill xmlns:a14="http://schemas.microsoft.com/office/drawing/2010/main">
                 <a:solidFill>
                   <a:srgbClr val="FFFFFF"/>
                 </a:solidFill>
               </a14:hiddenFill>
             </a:ext>
             <a:ext uri="{91240B29-F687-4F45-9708-019B960494DF}">
-              <a14:hiddenLine xmlns="" xmlns:a14="http://schemas.microsoft.com/office/drawing/2010/main" w="9525">
+              <a14:hiddenLine xmlns:a14="http://schemas.microsoft.com/office/drawing/2010/main" w="9525">
                 <a:solidFill>
                   <a:srgbClr val="000000"/>
                 </a:solidFill>
@@ -18481,7 +18478,7 @@
           <a:blip r:embed="rId3" cstate="print">
             <a:extLst>
               <a:ext uri="{28A0092B-C50C-407E-A947-70E740481C1C}">
-                <a14:useLocalDpi xmlns="" xmlns:a14="http://schemas.microsoft.com/office/drawing/2010/main" val="0"/>
+                <a14:useLocalDpi xmlns:a14="http://schemas.microsoft.com/office/drawing/2010/main" val="0"/>
               </a:ext>
             </a:extLst>
           </a:blip>
@@ -18504,14 +18501,14 @@
           </a:ln>
           <a:extLst>
             <a:ext uri="{909E8E84-426E-40DD-AFC4-6F175D3DCCD1}">
-              <a14:hiddenFill xmlns="" xmlns:a14="http://schemas.microsoft.com/office/drawing/2010/main">
+              <a14:hiddenFill xmlns:a14="http://schemas.microsoft.com/office/drawing/2010/main">
                 <a:solidFill>
                   <a:srgbClr val="FFFFFF"/>
                 </a:solidFill>
               </a14:hiddenFill>
             </a:ext>
             <a:ext uri="{91240B29-F687-4F45-9708-019B960494DF}">
-              <a14:hiddenLine xmlns="" xmlns:a14="http://schemas.microsoft.com/office/drawing/2010/main" w="9525">
+              <a14:hiddenLine xmlns:a14="http://schemas.microsoft.com/office/drawing/2010/main" w="9525">
                 <a:solidFill>
                   <a:srgbClr val="000000"/>
                 </a:solidFill>
@@ -18988,7 +18985,7 @@
           <a:blip r:embed="rId3" cstate="print">
             <a:extLst>
               <a:ext uri="{28A0092B-C50C-407E-A947-70E740481C1C}">
-                <a14:useLocalDpi xmlns="" xmlns:a14="http://schemas.microsoft.com/office/drawing/2010/main" val="0"/>
+                <a14:useLocalDpi xmlns:a14="http://schemas.microsoft.com/office/drawing/2010/main" val="0"/>
               </a:ext>
             </a:extLst>
           </a:blip>
@@ -19011,14 +19008,14 @@
           </a:ln>
           <a:extLst>
             <a:ext uri="{909E8E84-426E-40DD-AFC4-6F175D3DCCD1}">
-              <a14:hiddenFill xmlns="" xmlns:a14="http://schemas.microsoft.com/office/drawing/2010/main">
+              <a14:hiddenFill xmlns:a14="http://schemas.microsoft.com/office/drawing/2010/main">
                 <a:solidFill>
                   <a:srgbClr val="FFFFFF"/>
                 </a:solidFill>
               </a14:hiddenFill>
             </a:ext>
             <a:ext uri="{91240B29-F687-4F45-9708-019B960494DF}">
-              <a14:hiddenLine xmlns="" xmlns:a14="http://schemas.microsoft.com/office/drawing/2010/main" w="9525">
+              <a14:hiddenLine xmlns:a14="http://schemas.microsoft.com/office/drawing/2010/main" w="9525">
                 <a:solidFill>
                   <a:srgbClr val="000000"/>
                 </a:solidFill>
@@ -19042,7 +19039,7 @@
           <a:blip r:embed="rId4" cstate="print">
             <a:extLst>
               <a:ext uri="{28A0092B-C50C-407E-A947-70E740481C1C}">
-                <a14:useLocalDpi xmlns="" xmlns:a14="http://schemas.microsoft.com/office/drawing/2010/main" val="0"/>
+                <a14:useLocalDpi xmlns:a14="http://schemas.microsoft.com/office/drawing/2010/main" val="0"/>
               </a:ext>
             </a:extLst>
           </a:blip>
@@ -19065,14 +19062,14 @@
           </a:ln>
           <a:extLst>
             <a:ext uri="{909E8E84-426E-40DD-AFC4-6F175D3DCCD1}">
-              <a14:hiddenFill xmlns="" xmlns:a14="http://schemas.microsoft.com/office/drawing/2010/main">
+              <a14:hiddenFill xmlns:a14="http://schemas.microsoft.com/office/drawing/2010/main">
                 <a:solidFill>
                   <a:srgbClr val="FFFFFF"/>
                 </a:solidFill>
               </a14:hiddenFill>
             </a:ext>
             <a:ext uri="{91240B29-F687-4F45-9708-019B960494DF}">
-              <a14:hiddenLine xmlns="" xmlns:a14="http://schemas.microsoft.com/office/drawing/2010/main" w="9525">
+              <a14:hiddenLine xmlns:a14="http://schemas.microsoft.com/office/drawing/2010/main" w="9525">
                 <a:solidFill>
                   <a:srgbClr val="000000"/>
                 </a:solidFill>
@@ -19096,7 +19093,7 @@
           <a:blip r:embed="rId5" cstate="print">
             <a:extLst>
               <a:ext uri="{28A0092B-C50C-407E-A947-70E740481C1C}">
-                <a14:useLocalDpi xmlns="" xmlns:a14="http://schemas.microsoft.com/office/drawing/2010/main" val="0"/>
+                <a14:useLocalDpi xmlns:a14="http://schemas.microsoft.com/office/drawing/2010/main" val="0"/>
               </a:ext>
             </a:extLst>
           </a:blip>
@@ -19119,14 +19116,14 @@
           </a:ln>
           <a:extLst>
             <a:ext uri="{909E8E84-426E-40DD-AFC4-6F175D3DCCD1}">
-              <a14:hiddenFill xmlns="" xmlns:a14="http://schemas.microsoft.com/office/drawing/2010/main">
+              <a14:hiddenFill xmlns:a14="http://schemas.microsoft.com/office/drawing/2010/main">
                 <a:solidFill>
                   <a:srgbClr val="FFFFFF"/>
                 </a:solidFill>
               </a14:hiddenFill>
             </a:ext>
             <a:ext uri="{91240B29-F687-4F45-9708-019B960494DF}">
-              <a14:hiddenLine xmlns="" xmlns:a14="http://schemas.microsoft.com/office/drawing/2010/main" w="9525">
+              <a14:hiddenLine xmlns:a14="http://schemas.microsoft.com/office/drawing/2010/main" w="9525">
                 <a:solidFill>
                   <a:srgbClr val="000000"/>
                 </a:solidFill>
@@ -19150,7 +19147,7 @@
           <a:blip r:embed="rId6" cstate="print">
             <a:extLst>
               <a:ext uri="{28A0092B-C50C-407E-A947-70E740481C1C}">
-                <a14:useLocalDpi xmlns="" xmlns:a14="http://schemas.microsoft.com/office/drawing/2010/main" val="0"/>
+                <a14:useLocalDpi xmlns:a14="http://schemas.microsoft.com/office/drawing/2010/main" val="0"/>
               </a:ext>
             </a:extLst>
           </a:blip>
@@ -19173,14 +19170,14 @@
           </a:ln>
           <a:extLst>
             <a:ext uri="{909E8E84-426E-40DD-AFC4-6F175D3DCCD1}">
-              <a14:hiddenFill xmlns="" xmlns:a14="http://schemas.microsoft.com/office/drawing/2010/main">
+              <a14:hiddenFill xmlns:a14="http://schemas.microsoft.com/office/drawing/2010/main">
                 <a:solidFill>
                   <a:srgbClr val="FFFFFF"/>
                 </a:solidFill>
               </a14:hiddenFill>
             </a:ext>
             <a:ext uri="{91240B29-F687-4F45-9708-019B960494DF}">
-              <a14:hiddenLine xmlns="" xmlns:a14="http://schemas.microsoft.com/office/drawing/2010/main" w="9525">
+              <a14:hiddenLine xmlns:a14="http://schemas.microsoft.com/office/drawing/2010/main" w="9525">
                 <a:solidFill>
                   <a:srgbClr val="000000"/>
                 </a:solidFill>
@@ -19333,7 +19330,7 @@
           <a:blip r:embed="rId3" cstate="print">
             <a:extLst>
               <a:ext uri="{28A0092B-C50C-407E-A947-70E740481C1C}">
-                <a14:useLocalDpi xmlns="" xmlns:a14="http://schemas.microsoft.com/office/drawing/2010/main" val="0"/>
+                <a14:useLocalDpi xmlns:a14="http://schemas.microsoft.com/office/drawing/2010/main" val="0"/>
               </a:ext>
             </a:extLst>
           </a:blip>
@@ -19356,14 +19353,14 @@
           </a:ln>
           <a:extLst>
             <a:ext uri="{909E8E84-426E-40DD-AFC4-6F175D3DCCD1}">
-              <a14:hiddenFill xmlns="" xmlns:a14="http://schemas.microsoft.com/office/drawing/2010/main">
+              <a14:hiddenFill xmlns:a14="http://schemas.microsoft.com/office/drawing/2010/main">
                 <a:solidFill>
                   <a:srgbClr val="FFFFFF"/>
                 </a:solidFill>
               </a14:hiddenFill>
             </a:ext>
             <a:ext uri="{91240B29-F687-4F45-9708-019B960494DF}">
-              <a14:hiddenLine xmlns="" xmlns:a14="http://schemas.microsoft.com/office/drawing/2010/main" w="9525">
+              <a14:hiddenLine xmlns:a14="http://schemas.microsoft.com/office/drawing/2010/main" w="9525">
                 <a:solidFill>
                   <a:srgbClr val="000000"/>
                 </a:solidFill>
@@ -19387,7 +19384,7 @@
           <a:blip r:embed="rId4" cstate="print">
             <a:extLst>
               <a:ext uri="{28A0092B-C50C-407E-A947-70E740481C1C}">
-                <a14:useLocalDpi xmlns="" xmlns:a14="http://schemas.microsoft.com/office/drawing/2010/main" val="0"/>
+                <a14:useLocalDpi xmlns:a14="http://schemas.microsoft.com/office/drawing/2010/main" val="0"/>
               </a:ext>
             </a:extLst>
           </a:blip>
@@ -19410,14 +19407,14 @@
           </a:ln>
           <a:extLst>
             <a:ext uri="{909E8E84-426E-40DD-AFC4-6F175D3DCCD1}">
-              <a14:hiddenFill xmlns="" xmlns:a14="http://schemas.microsoft.com/office/drawing/2010/main">
+              <a14:hiddenFill xmlns:a14="http://schemas.microsoft.com/office/drawing/2010/main">
                 <a:solidFill>
                   <a:srgbClr val="FFFFFF"/>
                 </a:solidFill>
               </a14:hiddenFill>
             </a:ext>
             <a:ext uri="{91240B29-F687-4F45-9708-019B960494DF}">
-              <a14:hiddenLine xmlns="" xmlns:a14="http://schemas.microsoft.com/office/drawing/2010/main" w="9525">
+              <a14:hiddenLine xmlns:a14="http://schemas.microsoft.com/office/drawing/2010/main" w="9525">
                 <a:solidFill>
                   <a:srgbClr val="000000"/>
                 </a:solidFill>
@@ -19504,14 +19501,14 @@
           </a:ln>
           <a:extLst>
             <a:ext uri="{909E8E84-426E-40DD-AFC4-6F175D3DCCD1}">
-              <a14:hiddenFill xmlns="" xmlns:a14="http://schemas.microsoft.com/office/drawing/2010/main">
+              <a14:hiddenFill xmlns:a14="http://schemas.microsoft.com/office/drawing/2010/main">
                 <a:solidFill>
                   <a:srgbClr val="FFFFFF"/>
                 </a:solidFill>
               </a14:hiddenFill>
             </a:ext>
             <a:ext uri="{91240B29-F687-4F45-9708-019B960494DF}">
-              <a14:hiddenLine xmlns="" xmlns:a14="http://schemas.microsoft.com/office/drawing/2010/main" w="9525">
+              <a14:hiddenLine xmlns:a14="http://schemas.microsoft.com/office/drawing/2010/main" w="9525">
                 <a:solidFill>
                   <a:srgbClr val="000000"/>
                 </a:solidFill>
@@ -19865,14 +19862,14 @@
           </a:ln>
           <a:extLst>
             <a:ext uri="{909E8E84-426E-40DD-AFC4-6F175D3DCCD1}">
-              <a14:hiddenFill xmlns="" xmlns:a14="http://schemas.microsoft.com/office/drawing/2010/main">
+              <a14:hiddenFill xmlns:a14="http://schemas.microsoft.com/office/drawing/2010/main">
                 <a:solidFill>
                   <a:srgbClr val="FFFFFF"/>
                 </a:solidFill>
               </a14:hiddenFill>
             </a:ext>
             <a:ext uri="{91240B29-F687-4F45-9708-019B960494DF}">
-              <a14:hiddenLine xmlns="" xmlns:a14="http://schemas.microsoft.com/office/drawing/2010/main" w="9525">
+              <a14:hiddenLine xmlns:a14="http://schemas.microsoft.com/office/drawing/2010/main" w="9525">
                 <a:solidFill>
                   <a:srgbClr val="000000"/>
                 </a:solidFill>
@@ -20437,7 +20434,7 @@
           <a:blip r:embed="rId3" cstate="print">
             <a:extLst>
               <a:ext uri="{28A0092B-C50C-407E-A947-70E740481C1C}">
-                <a14:useLocalDpi xmlns="" xmlns:a14="http://schemas.microsoft.com/office/drawing/2010/main" val="0"/>
+                <a14:useLocalDpi xmlns:a14="http://schemas.microsoft.com/office/drawing/2010/main" val="0"/>
               </a:ext>
             </a:extLst>
           </a:blip>
@@ -20460,14 +20457,14 @@
           </a:ln>
           <a:extLst>
             <a:ext uri="{909E8E84-426E-40DD-AFC4-6F175D3DCCD1}">
-              <a14:hiddenFill xmlns="" xmlns:a14="http://schemas.microsoft.com/office/drawing/2010/main">
+              <a14:hiddenFill xmlns:a14="http://schemas.microsoft.com/office/drawing/2010/main">
                 <a:solidFill>
                   <a:srgbClr val="FFFFFF"/>
                 </a:solidFill>
               </a14:hiddenFill>
             </a:ext>
             <a:ext uri="{91240B29-F687-4F45-9708-019B960494DF}">
-              <a14:hiddenLine xmlns="" xmlns:a14="http://schemas.microsoft.com/office/drawing/2010/main" w="9525">
+              <a14:hiddenLine xmlns:a14="http://schemas.microsoft.com/office/drawing/2010/main" w="9525">
                 <a:solidFill>
                   <a:srgbClr val="000000"/>
                 </a:solidFill>
@@ -20491,7 +20488,7 @@
           <a:blip r:embed="rId4" cstate="print">
             <a:extLst>
               <a:ext uri="{28A0092B-C50C-407E-A947-70E740481C1C}">
-                <a14:useLocalDpi xmlns="" xmlns:a14="http://schemas.microsoft.com/office/drawing/2010/main" val="0"/>
+                <a14:useLocalDpi xmlns:a14="http://schemas.microsoft.com/office/drawing/2010/main" val="0"/>
               </a:ext>
             </a:extLst>
           </a:blip>
@@ -20514,14 +20511,14 @@
           </a:ln>
           <a:extLst>
             <a:ext uri="{909E8E84-426E-40DD-AFC4-6F175D3DCCD1}">
-              <a14:hiddenFill xmlns="" xmlns:a14="http://schemas.microsoft.com/office/drawing/2010/main">
+              <a14:hiddenFill xmlns:a14="http://schemas.microsoft.com/office/drawing/2010/main">
                 <a:solidFill>
                   <a:srgbClr val="FFFFFF"/>
                 </a:solidFill>
               </a14:hiddenFill>
             </a:ext>
             <a:ext uri="{91240B29-F687-4F45-9708-019B960494DF}">
-              <a14:hiddenLine xmlns="" xmlns:a14="http://schemas.microsoft.com/office/drawing/2010/main" w="9525">
+              <a14:hiddenLine xmlns:a14="http://schemas.microsoft.com/office/drawing/2010/main" w="9525">
                 <a:solidFill>
                   <a:srgbClr val="000000"/>
                 </a:solidFill>
@@ -20674,7 +20671,7 @@
           <a:blip r:embed="rId3" cstate="print">
             <a:extLst>
               <a:ext uri="{28A0092B-C50C-407E-A947-70E740481C1C}">
-                <a14:useLocalDpi xmlns="" xmlns:a14="http://schemas.microsoft.com/office/drawing/2010/main" val="0"/>
+                <a14:useLocalDpi xmlns:a14="http://schemas.microsoft.com/office/drawing/2010/main" val="0"/>
               </a:ext>
             </a:extLst>
           </a:blip>
@@ -20697,14 +20694,14 @@
           </a:ln>
           <a:extLst>
             <a:ext uri="{909E8E84-426E-40DD-AFC4-6F175D3DCCD1}">
-              <a14:hiddenFill xmlns="" xmlns:a14="http://schemas.microsoft.com/office/drawing/2010/main">
+              <a14:hiddenFill xmlns:a14="http://schemas.microsoft.com/office/drawing/2010/main">
                 <a:solidFill>
                   <a:srgbClr val="FFFFFF"/>
                 </a:solidFill>
               </a14:hiddenFill>
             </a:ext>
             <a:ext uri="{91240B29-F687-4F45-9708-019B960494DF}">
-              <a14:hiddenLine xmlns="" xmlns:a14="http://schemas.microsoft.com/office/drawing/2010/main" w="9525">
+              <a14:hiddenLine xmlns:a14="http://schemas.microsoft.com/office/drawing/2010/main" w="9525">
                 <a:solidFill>
                   <a:srgbClr val="000000"/>
                 </a:solidFill>
@@ -20857,7 +20854,7 @@
           <a:blip r:embed="rId3" cstate="print">
             <a:extLst>
               <a:ext uri="{28A0092B-C50C-407E-A947-70E740481C1C}">
-                <a14:useLocalDpi xmlns="" xmlns:a14="http://schemas.microsoft.com/office/drawing/2010/main" val="0"/>
+                <a14:useLocalDpi xmlns:a14="http://schemas.microsoft.com/office/drawing/2010/main" val="0"/>
               </a:ext>
             </a:extLst>
           </a:blip>
@@ -20880,14 +20877,14 @@
           </a:ln>
           <a:extLst>
             <a:ext uri="{909E8E84-426E-40DD-AFC4-6F175D3DCCD1}">
-              <a14:hiddenFill xmlns="" xmlns:a14="http://schemas.microsoft.com/office/drawing/2010/main">
+              <a14:hiddenFill xmlns:a14="http://schemas.microsoft.com/office/drawing/2010/main">
                 <a:solidFill>
                   <a:srgbClr val="FFFFFF"/>
                 </a:solidFill>
               </a14:hiddenFill>
             </a:ext>
             <a:ext uri="{91240B29-F687-4F45-9708-019B960494DF}">
-              <a14:hiddenLine xmlns="" xmlns:a14="http://schemas.microsoft.com/office/drawing/2010/main" w="9525">
+              <a14:hiddenLine xmlns:a14="http://schemas.microsoft.com/office/drawing/2010/main" w="9525">
                 <a:solidFill>
                   <a:srgbClr val="000000"/>
                 </a:solidFill>
@@ -21040,7 +21037,7 @@
           <a:blip r:embed="rId3" cstate="print">
             <a:extLst>
               <a:ext uri="{28A0092B-C50C-407E-A947-70E740481C1C}">
-                <a14:useLocalDpi xmlns="" xmlns:a14="http://schemas.microsoft.com/office/drawing/2010/main" val="0"/>
+                <a14:useLocalDpi xmlns:a14="http://schemas.microsoft.com/office/drawing/2010/main" val="0"/>
               </a:ext>
             </a:extLst>
           </a:blip>
@@ -21063,14 +21060,14 @@
           </a:ln>
           <a:extLst>
             <a:ext uri="{909E8E84-426E-40DD-AFC4-6F175D3DCCD1}">
-              <a14:hiddenFill xmlns="" xmlns:a14="http://schemas.microsoft.com/office/drawing/2010/main">
+              <a14:hiddenFill xmlns:a14="http://schemas.microsoft.com/office/drawing/2010/main">
                 <a:solidFill>
                   <a:srgbClr val="FFFFFF"/>
                 </a:solidFill>
               </a14:hiddenFill>
             </a:ext>
             <a:ext uri="{91240B29-F687-4F45-9708-019B960494DF}">
-              <a14:hiddenLine xmlns="" xmlns:a14="http://schemas.microsoft.com/office/drawing/2010/main" w="9525">
+              <a14:hiddenLine xmlns:a14="http://schemas.microsoft.com/office/drawing/2010/main" w="9525">
                 <a:solidFill>
                   <a:srgbClr val="000000"/>
                 </a:solidFill>
@@ -21478,7 +21475,7 @@
           <a:blip r:embed="rId3" cstate="print">
             <a:extLst>
               <a:ext uri="{28A0092B-C50C-407E-A947-70E740481C1C}">
-                <a14:useLocalDpi xmlns="" xmlns:a14="http://schemas.microsoft.com/office/drawing/2010/main" val="0"/>
+                <a14:useLocalDpi xmlns:a14="http://schemas.microsoft.com/office/drawing/2010/main" val="0"/>
               </a:ext>
             </a:extLst>
           </a:blip>
@@ -21489,7 +21486,7 @@
         </p:blipFill>
         <p:spPr bwMode="auto">
           <a:xfrm>
-            <a:off x="2468563" y="4114800"/>
+            <a:off x="2133600" y="3022599"/>
             <a:ext cx="3489325" cy="2030413"/>
           </a:xfrm>
           <a:prstGeom prst="rect">
@@ -21501,14 +21498,14 @@
           </a:ln>
           <a:extLst>
             <a:ext uri="{909E8E84-426E-40DD-AFC4-6F175D3DCCD1}">
-              <a14:hiddenFill xmlns="" xmlns:a14="http://schemas.microsoft.com/office/drawing/2010/main">
+              <a14:hiddenFill xmlns:a14="http://schemas.microsoft.com/office/drawing/2010/main">
                 <a:solidFill>
                   <a:srgbClr val="FFFFFF"/>
                 </a:solidFill>
               </a14:hiddenFill>
             </a:ext>
             <a:ext uri="{91240B29-F687-4F45-9708-019B960494DF}">
-              <a14:hiddenLine xmlns="" xmlns:a14="http://schemas.microsoft.com/office/drawing/2010/main" w="9525">
+              <a14:hiddenLine xmlns:a14="http://schemas.microsoft.com/office/drawing/2010/main" w="9525">
                 <a:solidFill>
                   <a:srgbClr val="000000"/>
                 </a:solidFill>
@@ -21661,7 +21658,7 @@
           <a:blip r:embed="rId3" cstate="print">
             <a:extLst>
               <a:ext uri="{28A0092B-C50C-407E-A947-70E740481C1C}">
-                <a14:useLocalDpi xmlns="" xmlns:a14="http://schemas.microsoft.com/office/drawing/2010/main" val="0"/>
+                <a14:useLocalDpi xmlns:a14="http://schemas.microsoft.com/office/drawing/2010/main" val="0"/>
               </a:ext>
             </a:extLst>
           </a:blip>
@@ -21684,14 +21681,14 @@
           </a:ln>
           <a:extLst>
             <a:ext uri="{909E8E84-426E-40DD-AFC4-6F175D3DCCD1}">
-              <a14:hiddenFill xmlns="" xmlns:a14="http://schemas.microsoft.com/office/drawing/2010/main">
+              <a14:hiddenFill xmlns:a14="http://schemas.microsoft.com/office/drawing/2010/main">
                 <a:solidFill>
                   <a:srgbClr val="FFFFFF"/>
                 </a:solidFill>
               </a14:hiddenFill>
             </a:ext>
             <a:ext uri="{91240B29-F687-4F45-9708-019B960494DF}">
-              <a14:hiddenLine xmlns="" xmlns:a14="http://schemas.microsoft.com/office/drawing/2010/main" w="9525">
+              <a14:hiddenLine xmlns:a14="http://schemas.microsoft.com/office/drawing/2010/main" w="9525">
                 <a:solidFill>
                   <a:srgbClr val="000000"/>
                 </a:solidFill>
@@ -21844,7 +21841,7 @@
           <a:blip r:embed="rId3" cstate="print">
             <a:extLst>
               <a:ext uri="{28A0092B-C50C-407E-A947-70E740481C1C}">
-                <a14:useLocalDpi xmlns="" xmlns:a14="http://schemas.microsoft.com/office/drawing/2010/main" val="0"/>
+                <a14:useLocalDpi xmlns:a14="http://schemas.microsoft.com/office/drawing/2010/main" val="0"/>
               </a:ext>
             </a:extLst>
           </a:blip>
@@ -21867,14 +21864,14 @@
           </a:ln>
           <a:extLst>
             <a:ext uri="{909E8E84-426E-40DD-AFC4-6F175D3DCCD1}">
-              <a14:hiddenFill xmlns="" xmlns:a14="http://schemas.microsoft.com/office/drawing/2010/main">
+              <a14:hiddenFill xmlns:a14="http://schemas.microsoft.com/office/drawing/2010/main">
                 <a:solidFill>
                   <a:srgbClr val="FFFFFF"/>
                 </a:solidFill>
               </a14:hiddenFill>
             </a:ext>
             <a:ext uri="{91240B29-F687-4F45-9708-019B960494DF}">
-              <a14:hiddenLine xmlns="" xmlns:a14="http://schemas.microsoft.com/office/drawing/2010/main" w="9525">
+              <a14:hiddenLine xmlns:a14="http://schemas.microsoft.com/office/drawing/2010/main" w="9525">
                 <a:solidFill>
                   <a:srgbClr val="000000"/>
                 </a:solidFill>
@@ -22027,7 +22024,7 @@
           <a:blip r:embed="rId3" cstate="print">
             <a:extLst>
               <a:ext uri="{28A0092B-C50C-407E-A947-70E740481C1C}">
-                <a14:useLocalDpi xmlns="" xmlns:a14="http://schemas.microsoft.com/office/drawing/2010/main" val="0"/>
+                <a14:useLocalDpi xmlns:a14="http://schemas.microsoft.com/office/drawing/2010/main" val="0"/>
               </a:ext>
             </a:extLst>
           </a:blip>
@@ -22050,14 +22047,14 @@
           </a:ln>
           <a:extLst>
             <a:ext uri="{909E8E84-426E-40DD-AFC4-6F175D3DCCD1}">
-              <a14:hiddenFill xmlns="" xmlns:a14="http://schemas.microsoft.com/office/drawing/2010/main">
+              <a14:hiddenFill xmlns:a14="http://schemas.microsoft.com/office/drawing/2010/main">
                 <a:solidFill>
                   <a:srgbClr val="FFFFFF"/>
                 </a:solidFill>
               </a14:hiddenFill>
             </a:ext>
             <a:ext uri="{91240B29-F687-4F45-9708-019B960494DF}">
-              <a14:hiddenLine xmlns="" xmlns:a14="http://schemas.microsoft.com/office/drawing/2010/main" w="9525">
+              <a14:hiddenLine xmlns:a14="http://schemas.microsoft.com/office/drawing/2010/main" w="9525">
                 <a:solidFill>
                   <a:srgbClr val="000000"/>
                 </a:solidFill>
@@ -22210,7 +22207,7 @@
           <a:blip r:embed="rId3" cstate="print">
             <a:extLst>
               <a:ext uri="{28A0092B-C50C-407E-A947-70E740481C1C}">
-                <a14:useLocalDpi xmlns="" xmlns:a14="http://schemas.microsoft.com/office/drawing/2010/main" val="0"/>
+                <a14:useLocalDpi xmlns:a14="http://schemas.microsoft.com/office/drawing/2010/main" val="0"/>
               </a:ext>
             </a:extLst>
           </a:blip>
@@ -22233,14 +22230,14 @@
           </a:ln>
           <a:extLst>
             <a:ext uri="{909E8E84-426E-40DD-AFC4-6F175D3DCCD1}">
-              <a14:hiddenFill xmlns="" xmlns:a14="http://schemas.microsoft.com/office/drawing/2010/main">
+              <a14:hiddenFill xmlns:a14="http://schemas.microsoft.com/office/drawing/2010/main">
                 <a:solidFill>
                   <a:srgbClr val="FFFFFF"/>
                 </a:solidFill>
               </a14:hiddenFill>
             </a:ext>
             <a:ext uri="{91240B29-F687-4F45-9708-019B960494DF}">
-              <a14:hiddenLine xmlns="" xmlns:a14="http://schemas.microsoft.com/office/drawing/2010/main" w="9525">
+              <a14:hiddenLine xmlns:a14="http://schemas.microsoft.com/office/drawing/2010/main" w="9525">
                 <a:solidFill>
                   <a:srgbClr val="000000"/>
                 </a:solidFill>
@@ -22327,14 +22324,14 @@
           </a:ln>
           <a:extLst>
             <a:ext uri="{909E8E84-426E-40DD-AFC4-6F175D3DCCD1}">
-              <a14:hiddenFill xmlns="" xmlns:a14="http://schemas.microsoft.com/office/drawing/2010/main">
+              <a14:hiddenFill xmlns:a14="http://schemas.microsoft.com/office/drawing/2010/main">
                 <a:solidFill>
                   <a:srgbClr val="FFFFFF"/>
                 </a:solidFill>
               </a14:hiddenFill>
             </a:ext>
             <a:ext uri="{91240B29-F687-4F45-9708-019B960494DF}">
-              <a14:hiddenLine xmlns="" xmlns:a14="http://schemas.microsoft.com/office/drawing/2010/main" w="9525">
+              <a14:hiddenLine xmlns:a14="http://schemas.microsoft.com/office/drawing/2010/main" w="9525">
                 <a:solidFill>
                   <a:srgbClr val="000000"/>
                 </a:solidFill>
@@ -22472,14 +22469,14 @@
           </a:ln>
           <a:extLst>
             <a:ext uri="{909E8E84-426E-40DD-AFC4-6F175D3DCCD1}">
-              <a14:hiddenFill xmlns="" xmlns:a14="http://schemas.microsoft.com/office/drawing/2010/main">
+              <a14:hiddenFill xmlns:a14="http://schemas.microsoft.com/office/drawing/2010/main">
                 <a:solidFill>
                   <a:srgbClr val="FFFFFF"/>
                 </a:solidFill>
               </a14:hiddenFill>
             </a:ext>
             <a:ext uri="{91240B29-F687-4F45-9708-019B960494DF}">
-              <a14:hiddenLine xmlns="" xmlns:a14="http://schemas.microsoft.com/office/drawing/2010/main" w="9525">
+              <a14:hiddenLine xmlns:a14="http://schemas.microsoft.com/office/drawing/2010/main" w="9525">
                 <a:solidFill>
                   <a:srgbClr val="000000"/>
                 </a:solidFill>
@@ -22812,7 +22809,7 @@
           <a:blip r:embed="rId3" cstate="print">
             <a:extLst>
               <a:ext uri="{28A0092B-C50C-407E-A947-70E740481C1C}">
-                <a14:useLocalDpi xmlns="" xmlns:a14="http://schemas.microsoft.com/office/drawing/2010/main" val="0"/>
+                <a14:useLocalDpi xmlns:a14="http://schemas.microsoft.com/office/drawing/2010/main" val="0"/>
               </a:ext>
             </a:extLst>
           </a:blip>
@@ -22835,14 +22832,14 @@
           </a:ln>
           <a:extLst>
             <a:ext uri="{909E8E84-426E-40DD-AFC4-6F175D3DCCD1}">
-              <a14:hiddenFill xmlns="" xmlns:a14="http://schemas.microsoft.com/office/drawing/2010/main">
+              <a14:hiddenFill xmlns:a14="http://schemas.microsoft.com/office/drawing/2010/main">
                 <a:solidFill>
                   <a:srgbClr val="FFFFFF"/>
                 </a:solidFill>
               </a14:hiddenFill>
             </a:ext>
             <a:ext uri="{91240B29-F687-4F45-9708-019B960494DF}">
-              <a14:hiddenLine xmlns="" xmlns:a14="http://schemas.microsoft.com/office/drawing/2010/main" w="9525">
+              <a14:hiddenLine xmlns:a14="http://schemas.microsoft.com/office/drawing/2010/main" w="9525">
                 <a:solidFill>
                   <a:srgbClr val="000000"/>
                 </a:solidFill>
@@ -22995,7 +22992,7 @@
           <a:blip r:embed="rId3" cstate="print">
             <a:extLst>
               <a:ext uri="{28A0092B-C50C-407E-A947-70E740481C1C}">
-                <a14:useLocalDpi xmlns="" xmlns:a14="http://schemas.microsoft.com/office/drawing/2010/main" val="0"/>
+                <a14:useLocalDpi xmlns:a14="http://schemas.microsoft.com/office/drawing/2010/main" val="0"/>
               </a:ext>
             </a:extLst>
           </a:blip>
@@ -23018,14 +23015,14 @@
           </a:ln>
           <a:extLst>
             <a:ext uri="{909E8E84-426E-40DD-AFC4-6F175D3DCCD1}">
-              <a14:hiddenFill xmlns="" xmlns:a14="http://schemas.microsoft.com/office/drawing/2010/main">
+              <a14:hiddenFill xmlns:a14="http://schemas.microsoft.com/office/drawing/2010/main">
                 <a:solidFill>
                   <a:srgbClr val="FFFFFF"/>
                 </a:solidFill>
               </a14:hiddenFill>
             </a:ext>
             <a:ext uri="{91240B29-F687-4F45-9708-019B960494DF}">
-              <a14:hiddenLine xmlns="" xmlns:a14="http://schemas.microsoft.com/office/drawing/2010/main" w="9525">
+              <a14:hiddenLine xmlns:a14="http://schemas.microsoft.com/office/drawing/2010/main" w="9525">
                 <a:solidFill>
                   <a:srgbClr val="000000"/>
                 </a:solidFill>
@@ -23112,14 +23109,14 @@
           </a:ln>
           <a:extLst>
             <a:ext uri="{909E8E84-426E-40DD-AFC4-6F175D3DCCD1}">
-              <a14:hiddenFill xmlns="" xmlns:a14="http://schemas.microsoft.com/office/drawing/2010/main">
+              <a14:hiddenFill xmlns:a14="http://schemas.microsoft.com/office/drawing/2010/main">
                 <a:solidFill>
                   <a:srgbClr val="FFFFFF"/>
                 </a:solidFill>
               </a14:hiddenFill>
             </a:ext>
             <a:ext uri="{91240B29-F687-4F45-9708-019B960494DF}">
-              <a14:hiddenLine xmlns="" xmlns:a14="http://schemas.microsoft.com/office/drawing/2010/main" w="9525">
+              <a14:hiddenLine xmlns:a14="http://schemas.microsoft.com/office/drawing/2010/main" w="9525">
                 <a:solidFill>
                   <a:srgbClr val="000000"/>
                 </a:solidFill>
@@ -23473,14 +23470,14 @@
           </a:ln>
           <a:extLst>
             <a:ext uri="{909E8E84-426E-40DD-AFC4-6F175D3DCCD1}">
-              <a14:hiddenFill xmlns="" xmlns:a14="http://schemas.microsoft.com/office/drawing/2010/main">
+              <a14:hiddenFill xmlns:a14="http://schemas.microsoft.com/office/drawing/2010/main">
                 <a:solidFill>
                   <a:srgbClr val="FFFFFF"/>
                 </a:solidFill>
               </a14:hiddenFill>
             </a:ext>
             <a:ext uri="{91240B29-F687-4F45-9708-019B960494DF}">
-              <a14:hiddenLine xmlns="" xmlns:a14="http://schemas.microsoft.com/office/drawing/2010/main" w="9525">
+              <a14:hiddenLine xmlns:a14="http://schemas.microsoft.com/office/drawing/2010/main" w="9525">
                 <a:solidFill>
                   <a:srgbClr val="000000"/>
                 </a:solidFill>
@@ -23992,14 +23989,14 @@
           </a:ln>
           <a:extLst>
             <a:ext uri="{909E8E84-426E-40DD-AFC4-6F175D3DCCD1}">
-              <a14:hiddenFill xmlns="" xmlns:a14="http://schemas.microsoft.com/office/drawing/2010/main">
+              <a14:hiddenFill xmlns:a14="http://schemas.microsoft.com/office/drawing/2010/main">
                 <a:solidFill>
                   <a:srgbClr val="FFFFFF"/>
                 </a:solidFill>
               </a14:hiddenFill>
             </a:ext>
             <a:ext uri="{91240B29-F687-4F45-9708-019B960494DF}">
-              <a14:hiddenLine xmlns="" xmlns:a14="http://schemas.microsoft.com/office/drawing/2010/main" w="9525">
+              <a14:hiddenLine xmlns:a14="http://schemas.microsoft.com/office/drawing/2010/main" w="9525">
                 <a:solidFill>
                   <a:srgbClr val="000000"/>
                 </a:solidFill>
@@ -24353,14 +24350,14 @@
           </a:ln>
           <a:extLst>
             <a:ext uri="{909E8E84-426E-40DD-AFC4-6F175D3DCCD1}">
-              <a14:hiddenFill xmlns="" xmlns:a14="http://schemas.microsoft.com/office/drawing/2010/main">
+              <a14:hiddenFill xmlns:a14="http://schemas.microsoft.com/office/drawing/2010/main">
                 <a:solidFill>
                   <a:srgbClr val="FFFFFF"/>
                 </a:solidFill>
               </a14:hiddenFill>
             </a:ext>
             <a:ext uri="{91240B29-F687-4F45-9708-019B960494DF}">
-              <a14:hiddenLine xmlns="" xmlns:a14="http://schemas.microsoft.com/office/drawing/2010/main" w="9525">
+              <a14:hiddenLine xmlns:a14="http://schemas.microsoft.com/office/drawing/2010/main" w="9525">
                 <a:solidFill>
                   <a:srgbClr val="000000"/>
                 </a:solidFill>
@@ -24815,14 +24812,14 @@
           </a:ln>
           <a:extLst>
             <a:ext uri="{909E8E84-426E-40DD-AFC4-6F175D3DCCD1}">
-              <a14:hiddenFill xmlns="" xmlns:a14="http://schemas.microsoft.com/office/drawing/2010/main">
+              <a14:hiddenFill xmlns:a14="http://schemas.microsoft.com/office/drawing/2010/main">
                 <a:solidFill>
                   <a:srgbClr val="FFFFFF"/>
                 </a:solidFill>
               </a14:hiddenFill>
             </a:ext>
             <a:ext uri="{91240B29-F687-4F45-9708-019B960494DF}">
-              <a14:hiddenLine xmlns="" xmlns:a14="http://schemas.microsoft.com/office/drawing/2010/main" w="9525">
+              <a14:hiddenLine xmlns:a14="http://schemas.microsoft.com/office/drawing/2010/main" w="9525">
                 <a:solidFill>
                   <a:srgbClr val="000000"/>
                 </a:solidFill>
@@ -25176,14 +25173,14 @@
           </a:ln>
           <a:extLst>
             <a:ext uri="{909E8E84-426E-40DD-AFC4-6F175D3DCCD1}">
-              <a14:hiddenFill xmlns="" xmlns:a14="http://schemas.microsoft.com/office/drawing/2010/main">
+              <a14:hiddenFill xmlns:a14="http://schemas.microsoft.com/office/drawing/2010/main">
                 <a:solidFill>
                   <a:srgbClr val="FFFFFF"/>
                 </a:solidFill>
               </a14:hiddenFill>
             </a:ext>
             <a:ext uri="{91240B29-F687-4F45-9708-019B960494DF}">
-              <a14:hiddenLine xmlns="" xmlns:a14="http://schemas.microsoft.com/office/drawing/2010/main" w="9525">
+              <a14:hiddenLine xmlns:a14="http://schemas.microsoft.com/office/drawing/2010/main" w="9525">
                 <a:solidFill>
                   <a:srgbClr val="000000"/>
                 </a:solidFill>
@@ -25374,14 +25371,14 @@
           </a:ln>
           <a:extLst>
             <a:ext uri="{909E8E84-426E-40DD-AFC4-6F175D3DCCD1}">
-              <a14:hiddenFill xmlns="" xmlns:a14="http://schemas.microsoft.com/office/drawing/2010/main">
+              <a14:hiddenFill xmlns:a14="http://schemas.microsoft.com/office/drawing/2010/main">
                 <a:solidFill>
                   <a:srgbClr val="FFFFFF"/>
                 </a:solidFill>
               </a14:hiddenFill>
             </a:ext>
             <a:ext uri="{91240B29-F687-4F45-9708-019B960494DF}">
-              <a14:hiddenLine xmlns="" xmlns:a14="http://schemas.microsoft.com/office/drawing/2010/main" w="9525">
+              <a14:hiddenLine xmlns:a14="http://schemas.microsoft.com/office/drawing/2010/main" w="9525">
                 <a:solidFill>
                   <a:srgbClr val="000000"/>
                 </a:solidFill>
@@ -25735,14 +25732,14 @@
           </a:ln>
           <a:extLst>
             <a:ext uri="{909E8E84-426E-40DD-AFC4-6F175D3DCCD1}">
-              <a14:hiddenFill xmlns="" xmlns:a14="http://schemas.microsoft.com/office/drawing/2010/main">
+              <a14:hiddenFill xmlns:a14="http://schemas.microsoft.com/office/drawing/2010/main">
                 <a:solidFill>
                   <a:srgbClr val="FFFFFF"/>
                 </a:solidFill>
               </a14:hiddenFill>
             </a:ext>
             <a:ext uri="{91240B29-F687-4F45-9708-019B960494DF}">
-              <a14:hiddenLine xmlns="" xmlns:a14="http://schemas.microsoft.com/office/drawing/2010/main" w="9525">
+              <a14:hiddenLine xmlns:a14="http://schemas.microsoft.com/office/drawing/2010/main" w="9525">
                 <a:solidFill>
                   <a:srgbClr val="000000"/>
                 </a:solidFill>
@@ -25870,7 +25867,7 @@
           <a:blip r:embed="rId3" cstate="print">
             <a:extLst>
               <a:ext uri="{28A0092B-C50C-407E-A947-70E740481C1C}">
-                <a14:useLocalDpi xmlns="" xmlns:a14="http://schemas.microsoft.com/office/drawing/2010/main" val="0"/>
+                <a14:useLocalDpi xmlns:a14="http://schemas.microsoft.com/office/drawing/2010/main" val="0"/>
               </a:ext>
             </a:extLst>
           </a:blip>
@@ -25893,14 +25890,14 @@
           </a:ln>
           <a:extLst>
             <a:ext uri="{909E8E84-426E-40DD-AFC4-6F175D3DCCD1}">
-              <a14:hiddenFill xmlns="" xmlns:a14="http://schemas.microsoft.com/office/drawing/2010/main">
+              <a14:hiddenFill xmlns:a14="http://schemas.microsoft.com/office/drawing/2010/main">
                 <a:solidFill>
                   <a:srgbClr val="FFFFFF"/>
                 </a:solidFill>
               </a14:hiddenFill>
             </a:ext>
             <a:ext uri="{91240B29-F687-4F45-9708-019B960494DF}">
-              <a14:hiddenLine xmlns="" xmlns:a14="http://schemas.microsoft.com/office/drawing/2010/main" w="9525">
+              <a14:hiddenLine xmlns:a14="http://schemas.microsoft.com/office/drawing/2010/main" w="9525">
                 <a:solidFill>
                   <a:srgbClr val="000000"/>
                 </a:solidFill>
@@ -25975,21 +25972,16 @@
             <p:ph type="title"/>
           </p:nvPr>
         </p:nvSpPr>
-        <p:spPr>
-          <a:xfrm>
-            <a:off x="762000" y="0"/>
-            <a:ext cx="7772400" cy="1143000"/>
-          </a:xfrm>
-        </p:spPr>
+        <p:spPr/>
         <p:txBody>
           <a:bodyPr/>
           <a:lstStyle/>
           <a:p>
             <a:r>
-              <a:rPr lang="en-US" dirty="0" smtClean="0"/>
-              <a:t>Question</a:t>
+              <a:rPr lang="en-GB" smtClean="0"/>
+              <a:t>Questions Next Week</a:t>
             </a:r>
-            <a:endParaRPr lang="en-US" dirty="0"/>
+            <a:endParaRPr lang="en-GB"/>
           </a:p>
         </p:txBody>
       </p:sp>
@@ -26005,145 +25997,26 @@
         </p:nvSpPr>
         <p:spPr/>
         <p:txBody>
-          <a:bodyPr>
-            <a:normAutofit fontScale="92500" lnSpcReduction="20000"/>
-          </a:bodyPr>
+          <a:bodyPr/>
           <a:lstStyle/>
           <a:p>
-            <a:r>
-              <a:rPr lang="en-US" dirty="0" smtClean="0"/>
-              <a:t>What order does f receive its arguments?</a:t>
-            </a:r>
-          </a:p>
-          <a:p>
-            <a:endParaRPr lang="en-US" dirty="0" smtClean="0"/>
-          </a:p>
-          <a:p>
-            <a:endParaRPr lang="en-US" dirty="0" smtClean="0"/>
-          </a:p>
-          <a:p>
-            <a:endParaRPr lang="en-US" dirty="0" smtClean="0"/>
-          </a:p>
-          <a:p>
-            <a:endParaRPr lang="en-US" dirty="0" smtClean="0"/>
-          </a:p>
-          <a:p>
-            <a:pPr marL="514350" indent="-514350">
-              <a:buAutoNum type="alphaLcParenR"/>
+            <a:pPr marL="0" indent="0">
+              <a:buNone/>
             </a:pPr>
             <a:r>
-              <a:rPr lang="en-US" dirty="0" err="1" smtClean="0"/>
-              <a:t>foo</a:t>
+              <a:rPr lang="en-GB" dirty="0" smtClean="0"/>
+              <a:t>Questions to Investigate for Next Week</a:t>
             </a:r>
-            <a:r>
-              <a:rPr lang="en-US" dirty="0" smtClean="0"/>
-              <a:t> bar </a:t>
-            </a:r>
-            <a:r>
-              <a:rPr lang="en-US" dirty="0" err="1" smtClean="0"/>
-              <a:t>baz</a:t>
-            </a:r>
-            <a:endParaRPr lang="en-US" dirty="0" smtClean="0"/>
-          </a:p>
-          <a:p>
-            <a:pPr marL="514350" indent="-514350">
-              <a:buAutoNum type="alphaLcParenR"/>
-            </a:pPr>
-            <a:r>
-              <a:rPr lang="en-US" dirty="0" err="1" smtClean="0"/>
-              <a:t>foo</a:t>
-            </a:r>
-            <a:r>
-              <a:rPr lang="en-US" dirty="0" smtClean="0"/>
-              <a:t> </a:t>
-            </a:r>
-            <a:r>
-              <a:rPr lang="en-US" dirty="0" err="1" smtClean="0"/>
-              <a:t>baz</a:t>
-            </a:r>
-            <a:r>
-              <a:rPr lang="en-US" dirty="0" smtClean="0"/>
-              <a:t> bar</a:t>
-            </a:r>
-          </a:p>
-          <a:p>
-            <a:pPr marL="514350" indent="-514350">
-              <a:buAutoNum type="alphaLcParenR"/>
-            </a:pPr>
-            <a:r>
-              <a:rPr lang="en-US" dirty="0" smtClean="0"/>
-              <a:t>bar </a:t>
-            </a:r>
-            <a:r>
-              <a:rPr lang="en-US" dirty="0" err="1" smtClean="0"/>
-              <a:t>foo</a:t>
-            </a:r>
-            <a:r>
-              <a:rPr lang="en-US" dirty="0" smtClean="0"/>
-              <a:t> </a:t>
-            </a:r>
-            <a:r>
-              <a:rPr lang="en-US" dirty="0" err="1" smtClean="0"/>
-              <a:t>baz</a:t>
-            </a:r>
-            <a:endParaRPr lang="en-US" dirty="0" smtClean="0"/>
-          </a:p>
-          <a:p>
-            <a:pPr marL="514350" indent="-514350">
-              <a:buAutoNum type="alphaLcParenR"/>
-            </a:pPr>
-            <a:r>
-              <a:rPr lang="en-US" dirty="0" err="1" smtClean="0"/>
-              <a:t>foo</a:t>
-            </a:r>
-            <a:r>
-              <a:rPr lang="en-US" dirty="0" smtClean="0"/>
-              <a:t> </a:t>
-            </a:r>
-            <a:r>
-              <a:rPr lang="en-US" dirty="0" err="1" smtClean="0"/>
-              <a:t>baz</a:t>
-            </a:r>
-            <a:endParaRPr lang="en-US" dirty="0" smtClean="0"/>
-          </a:p>
-          <a:p>
-            <a:endParaRPr lang="en-US" dirty="0"/>
+            <a:endParaRPr lang="en-GB" dirty="0"/>
           </a:p>
         </p:txBody>
       </p:sp>
-      <p:pic>
-        <p:nvPicPr>
-          <p:cNvPr id="2050" name="Picture 2"/>
-          <p:cNvPicPr>
-            <a:picLocks noChangeAspect="1" noChangeArrowheads="1"/>
-          </p:cNvPicPr>
-          <p:nvPr/>
-        </p:nvPicPr>
-        <p:blipFill>
-          <a:blip r:embed="rId2" cstate="print"/>
-          <a:srcRect/>
-          <a:stretch>
-            <a:fillRect/>
-          </a:stretch>
-        </p:blipFill>
-        <p:spPr bwMode="auto">
-          <a:xfrm>
-            <a:off x="1981200" y="2514600"/>
-            <a:ext cx="5388990" cy="1524000"/>
-          </a:xfrm>
-          <a:prstGeom prst="rect">
-            <a:avLst/>
-          </a:prstGeom>
-          <a:noFill/>
-          <a:ln w="9525">
-            <a:noFill/>
-            <a:miter lim="800000"/>
-            <a:headEnd/>
-            <a:tailEnd/>
-          </a:ln>
-        </p:spPr>
-      </p:pic>
     </p:spTree>
+    <p:extLst>
+      <p:ext uri="{BB962C8B-B14F-4D97-AF65-F5344CB8AC3E}">
+        <p14:creationId xmlns:p14="http://schemas.microsoft.com/office/powerpoint/2010/main" val="2546616701"/>
+      </p:ext>
+    </p:extLst>
   </p:cSld>
   <p:clrMapOvr>
     <a:masterClrMapping/>
@@ -26178,6 +26051,209 @@
             <p:ph type="title"/>
           </p:nvPr>
         </p:nvSpPr>
+        <p:spPr>
+          <a:xfrm>
+            <a:off x="762000" y="0"/>
+            <a:ext cx="7772400" cy="1143000"/>
+          </a:xfrm>
+        </p:spPr>
+        <p:txBody>
+          <a:bodyPr/>
+          <a:lstStyle/>
+          <a:p>
+            <a:r>
+              <a:rPr lang="en-US" dirty="0" smtClean="0"/>
+              <a:t>Question</a:t>
+            </a:r>
+            <a:endParaRPr lang="en-US" dirty="0"/>
+          </a:p>
+        </p:txBody>
+      </p:sp>
+      <p:sp>
+        <p:nvSpPr>
+          <p:cNvPr id="3" name="Content Placeholder 2"/>
+          <p:cNvSpPr>
+            <a:spLocks noGrp="1"/>
+          </p:cNvSpPr>
+          <p:nvPr>
+            <p:ph idx="1"/>
+          </p:nvPr>
+        </p:nvSpPr>
+        <p:spPr/>
+        <p:txBody>
+          <a:bodyPr>
+            <a:normAutofit fontScale="92500" lnSpcReduction="20000"/>
+          </a:bodyPr>
+          <a:lstStyle/>
+          <a:p>
+            <a:r>
+              <a:rPr lang="en-US" dirty="0" smtClean="0"/>
+              <a:t>What order does f receive its arguments?</a:t>
+            </a:r>
+          </a:p>
+          <a:p>
+            <a:endParaRPr lang="en-US" dirty="0" smtClean="0"/>
+          </a:p>
+          <a:p>
+            <a:endParaRPr lang="en-US" dirty="0" smtClean="0"/>
+          </a:p>
+          <a:p>
+            <a:endParaRPr lang="en-US" dirty="0" smtClean="0"/>
+          </a:p>
+          <a:p>
+            <a:endParaRPr lang="en-US" dirty="0" smtClean="0"/>
+          </a:p>
+          <a:p>
+            <a:pPr marL="514350" indent="-514350">
+              <a:buAutoNum type="alphaLcParenR"/>
+            </a:pPr>
+            <a:r>
+              <a:rPr lang="en-US" dirty="0" err="1" smtClean="0"/>
+              <a:t>foo</a:t>
+            </a:r>
+            <a:r>
+              <a:rPr lang="en-US" dirty="0" smtClean="0"/>
+              <a:t> bar </a:t>
+            </a:r>
+            <a:r>
+              <a:rPr lang="en-US" dirty="0" err="1" smtClean="0"/>
+              <a:t>baz</a:t>
+            </a:r>
+            <a:endParaRPr lang="en-US" dirty="0" smtClean="0"/>
+          </a:p>
+          <a:p>
+            <a:pPr marL="514350" indent="-514350">
+              <a:buAutoNum type="alphaLcParenR"/>
+            </a:pPr>
+            <a:r>
+              <a:rPr lang="en-US" dirty="0" err="1" smtClean="0"/>
+              <a:t>foo</a:t>
+            </a:r>
+            <a:r>
+              <a:rPr lang="en-US" dirty="0" smtClean="0"/>
+              <a:t> </a:t>
+            </a:r>
+            <a:r>
+              <a:rPr lang="en-US" dirty="0" err="1" smtClean="0"/>
+              <a:t>baz</a:t>
+            </a:r>
+            <a:r>
+              <a:rPr lang="en-US" dirty="0" smtClean="0"/>
+              <a:t> bar</a:t>
+            </a:r>
+          </a:p>
+          <a:p>
+            <a:pPr marL="514350" indent="-514350">
+              <a:buAutoNum type="alphaLcParenR"/>
+            </a:pPr>
+            <a:r>
+              <a:rPr lang="en-US" dirty="0" smtClean="0"/>
+              <a:t>bar </a:t>
+            </a:r>
+            <a:r>
+              <a:rPr lang="en-US" dirty="0" err="1" smtClean="0"/>
+              <a:t>foo</a:t>
+            </a:r>
+            <a:r>
+              <a:rPr lang="en-US" dirty="0" smtClean="0"/>
+              <a:t> </a:t>
+            </a:r>
+            <a:r>
+              <a:rPr lang="en-US" dirty="0" err="1" smtClean="0"/>
+              <a:t>baz</a:t>
+            </a:r>
+            <a:endParaRPr lang="en-US" dirty="0" smtClean="0"/>
+          </a:p>
+          <a:p>
+            <a:pPr marL="514350" indent="-514350">
+              <a:buAutoNum type="alphaLcParenR"/>
+            </a:pPr>
+            <a:r>
+              <a:rPr lang="en-US" dirty="0" err="1" smtClean="0"/>
+              <a:t>foo</a:t>
+            </a:r>
+            <a:r>
+              <a:rPr lang="en-US" dirty="0" smtClean="0"/>
+              <a:t> </a:t>
+            </a:r>
+            <a:r>
+              <a:rPr lang="en-US" dirty="0" err="1" smtClean="0"/>
+              <a:t>baz</a:t>
+            </a:r>
+            <a:endParaRPr lang="en-US" dirty="0" smtClean="0"/>
+          </a:p>
+          <a:p>
+            <a:endParaRPr lang="en-US" dirty="0"/>
+          </a:p>
+        </p:txBody>
+      </p:sp>
+      <p:pic>
+        <p:nvPicPr>
+          <p:cNvPr id="2050" name="Picture 2"/>
+          <p:cNvPicPr>
+            <a:picLocks noChangeAspect="1" noChangeArrowheads="1"/>
+          </p:cNvPicPr>
+          <p:nvPr/>
+        </p:nvPicPr>
+        <p:blipFill>
+          <a:blip r:embed="rId2" cstate="print"/>
+          <a:srcRect/>
+          <a:stretch>
+            <a:fillRect/>
+          </a:stretch>
+        </p:blipFill>
+        <p:spPr bwMode="auto">
+          <a:xfrm>
+            <a:off x="1981200" y="2514600"/>
+            <a:ext cx="5388990" cy="1524000"/>
+          </a:xfrm>
+          <a:prstGeom prst="rect">
+            <a:avLst/>
+          </a:prstGeom>
+          <a:noFill/>
+          <a:ln w="9525">
+            <a:noFill/>
+            <a:miter lim="800000"/>
+            <a:headEnd/>
+            <a:tailEnd/>
+          </a:ln>
+        </p:spPr>
+      </p:pic>
+    </p:spTree>
+  </p:cSld>
+  <p:clrMapOvr>
+    <a:masterClrMapping/>
+  </p:clrMapOvr>
+</p:sld>
+</file>
+
+<file path=ppt/slides/slide48.xml><?xml version="1.0" encoding="utf-8"?>
+<p:sld xmlns:a="http://schemas.openxmlformats.org/drawingml/2006/main" xmlns:r="http://schemas.openxmlformats.org/officeDocument/2006/relationships" xmlns:p="http://schemas.openxmlformats.org/presentationml/2006/main">
+  <p:cSld>
+    <p:spTree>
+      <p:nvGrpSpPr>
+        <p:cNvPr id="1" name=""/>
+        <p:cNvGrpSpPr/>
+        <p:nvPr/>
+      </p:nvGrpSpPr>
+      <p:grpSpPr>
+        <a:xfrm>
+          <a:off x="0" y="0"/>
+          <a:ext cx="0" cy="0"/>
+          <a:chOff x="0" y="0"/>
+          <a:chExt cx="0" cy="0"/>
+        </a:xfrm>
+      </p:grpSpPr>
+      <p:sp>
+        <p:nvSpPr>
+          <p:cNvPr id="2" name="Title 1"/>
+          <p:cNvSpPr>
+            <a:spLocks noGrp="1"/>
+          </p:cNvSpPr>
+          <p:nvPr>
+            <p:ph type="title"/>
+          </p:nvPr>
+        </p:nvSpPr>
         <p:spPr/>
         <p:txBody>
           <a:bodyPr/>
@@ -26276,7 +26352,7 @@
 </p:sld>
 </file>
 
-<file path=ppt/slides/slide48.xml><?xml version="1.0" encoding="utf-8"?>
+<file path=ppt/slides/slide49.xml><?xml version="1.0" encoding="utf-8"?>
 <p:sld xmlns:a="http://schemas.openxmlformats.org/drawingml/2006/main" xmlns:r="http://schemas.openxmlformats.org/officeDocument/2006/relationships" xmlns:p="http://schemas.openxmlformats.org/presentationml/2006/main">
   <p:cSld>
     <p:spTree>
@@ -27881,7 +27957,7 @@
   </a:extraClrSchemeLst>
   <a:extLst>
     <a:ext uri="{05A4C25C-085E-4340-85A3-A5531E510DB2}">
-      <thm15:themeFamily xmlns="" xmlns:thm15="http://schemas.microsoft.com/office/thememl/2012/main" name="Office Theme" id="{62F939B6-93AF-4DB8-9C6B-D6C7DFDC589F}" vid="{4A3C46E8-61CC-4603-A589-7422A47A8E4A}"/>
+      <thm15:themeFamily xmlns:thm15="http://schemas.microsoft.com/office/thememl/2012/main" name="Office Theme" id="{62F939B6-93AF-4DB8-9C6B-D6C7DFDC589F}" vid="{4A3C46E8-61CC-4603-A589-7422A47A8E4A}"/>
     </a:ext>
   </a:extLst>
 </a:theme>
@@ -28142,7 +28218,7 @@
   <a:extraClrSchemeLst/>
   <a:extLst>
     <a:ext uri="{05A4C25C-085E-4340-85A3-A5531E510DB2}">
-      <thm15:themeFamily xmlns="" xmlns:thm15="http://schemas.microsoft.com/office/thememl/2012/main" name="Office Theme" id="{62F939B6-93AF-4DB8-9C6B-D6C7DFDC589F}" vid="{4A3C46E8-61CC-4603-A589-7422A47A8E4A}"/>
+      <thm15:themeFamily xmlns:thm15="http://schemas.microsoft.com/office/thememl/2012/main" name="Office Theme" id="{62F939B6-93AF-4DB8-9C6B-D6C7DFDC589F}" vid="{4A3C46E8-61CC-4603-A589-7422A47A8E4A}"/>
     </a:ext>
   </a:extLst>
 </a:theme>
